--- a/Git.pptx
+++ b/Git.pptx
@@ -18,6 +18,8 @@
     <p:sldId id="268" r:id="rId12"/>
     <p:sldId id="265" r:id="rId13"/>
     <p:sldId id="266" r:id="rId14"/>
+    <p:sldId id="269" r:id="rId15"/>
+    <p:sldId id="270" r:id="rId16"/>
   </p:sldIdLst>
   <p:sldSz cx="12192000" cy="6858000"/>
   <p:notesSz cx="6858000" cy="9144000"/>
@@ -14547,6 +14549,335 @@
 </p:sld>
 </file>
 
+<file path=ppt/slides/slide14.xml><?xml version="1.0" encoding="utf-8"?>
+<p:sld xmlns:a="http://schemas.openxmlformats.org/drawingml/2006/main" xmlns:r="http://schemas.openxmlformats.org/officeDocument/2006/relationships" xmlns:p="http://schemas.openxmlformats.org/presentationml/2006/main">
+  <p:cSld>
+    <p:spTree>
+      <p:nvGrpSpPr>
+        <p:cNvPr id="1" name=""/>
+        <p:cNvGrpSpPr/>
+        <p:nvPr/>
+      </p:nvGrpSpPr>
+      <p:grpSpPr>
+        <a:xfrm>
+          <a:off x="0" y="0"/>
+          <a:ext cx="0" cy="0"/>
+          <a:chOff x="0" y="0"/>
+          <a:chExt cx="0" cy="0"/>
+        </a:xfrm>
+      </p:grpSpPr>
+      <p:sp>
+        <p:nvSpPr>
+          <p:cNvPr id="2" name="Title 1"/>
+          <p:cNvSpPr>
+            <a:spLocks noGrp="1"/>
+          </p:cNvSpPr>
+          <p:nvPr>
+            <p:ph type="title"/>
+          </p:nvPr>
+        </p:nvSpPr>
+        <p:spPr/>
+        <p:txBody>
+          <a:bodyPr/>
+          <a:lstStyle/>
+          <a:p>
+            <a:r>
+              <a:rPr lang="en-US" dirty="0" smtClean="0"/>
+              <a:t>Fixing Conflicts</a:t>
+            </a:r>
+            <a:endParaRPr lang="en-US" dirty="0"/>
+          </a:p>
+        </p:txBody>
+      </p:sp>
+      <p:sp>
+        <p:nvSpPr>
+          <p:cNvPr id="3" name="Content Placeholder 2"/>
+          <p:cNvSpPr>
+            <a:spLocks noGrp="1"/>
+          </p:cNvSpPr>
+          <p:nvPr>
+            <p:ph idx="1"/>
+          </p:nvPr>
+        </p:nvSpPr>
+        <p:spPr>
+          <a:xfrm>
+            <a:off x="1154954" y="2603500"/>
+            <a:ext cx="8825659" cy="3865880"/>
+          </a:xfrm>
+        </p:spPr>
+        <p:txBody>
+          <a:bodyPr>
+            <a:normAutofit/>
+          </a:bodyPr>
+          <a:lstStyle/>
+          <a:p>
+            <a:r>
+              <a:rPr lang="en-US" dirty="0" smtClean="0"/>
+              <a:t>When pulling updates or merging branches, conflicts can occur when changes overlap.</a:t>
+            </a:r>
+          </a:p>
+          <a:p>
+            <a:r>
+              <a:rPr lang="en-US" dirty="0" err="1" smtClean="0"/>
+              <a:t>Git</a:t>
+            </a:r>
+            <a:r>
+              <a:rPr lang="en-US" dirty="0"/>
+              <a:t> </a:t>
+            </a:r>
+            <a:r>
+              <a:rPr lang="en-US" dirty="0" smtClean="0"/>
+              <a:t>specifies a format for conflicting changes:</a:t>
+            </a:r>
+            <a:br>
+              <a:rPr lang="en-US" dirty="0" smtClean="0"/>
+            </a:br>
+            <a:r>
+              <a:rPr lang="en-US" dirty="0" smtClean="0"/>
+              <a:t/>
+            </a:r>
+            <a:br>
+              <a:rPr lang="en-US" dirty="0" smtClean="0"/>
+            </a:br>
+            <a:r>
+              <a:rPr lang="en-US" dirty="0" smtClean="0"/>
+              <a:t>&lt;&lt;&lt;&lt;&lt;&lt;&lt; HEAD</a:t>
+            </a:r>
+            <a:br>
+              <a:rPr lang="en-US" dirty="0" smtClean="0"/>
+            </a:br>
+            <a:r>
+              <a:rPr lang="en-US" dirty="0" smtClean="0"/>
+              <a:t>&lt;</a:t>
+            </a:r>
+            <a:r>
+              <a:rPr lang="en-US" dirty="0" err="1" smtClean="0"/>
+              <a:t>data_from_repository</a:t>
+            </a:r>
+            <a:r>
+              <a:rPr lang="en-US" dirty="0" smtClean="0"/>
+              <a:t>&gt;</a:t>
+            </a:r>
+            <a:br>
+              <a:rPr lang="en-US" dirty="0" smtClean="0"/>
+            </a:br>
+            <a:r>
+              <a:rPr lang="en-US" dirty="0" smtClean="0"/>
+              <a:t>=======</a:t>
+            </a:r>
+            <a:br>
+              <a:rPr lang="en-US" dirty="0" smtClean="0"/>
+            </a:br>
+            <a:r>
+              <a:rPr lang="en-US" dirty="0" smtClean="0"/>
+              <a:t>&lt;</a:t>
+            </a:r>
+            <a:r>
+              <a:rPr lang="en-US" dirty="0" err="1" smtClean="0"/>
+              <a:t>local_data</a:t>
+            </a:r>
+            <a:r>
+              <a:rPr lang="en-US" dirty="0" smtClean="0"/>
+              <a:t>&gt;</a:t>
+            </a:r>
+            <a:br>
+              <a:rPr lang="en-US" dirty="0" smtClean="0"/>
+            </a:br>
+            <a:r>
+              <a:rPr lang="en-US" dirty="0" smtClean="0"/>
+              <a:t>&gt;&gt;&gt;&gt;&gt;&gt;&gt; &lt;</a:t>
+            </a:r>
+            <a:r>
+              <a:rPr lang="en-US" dirty="0" err="1" smtClean="0"/>
+              <a:t>commit_id</a:t>
+            </a:r>
+            <a:r>
+              <a:rPr lang="en-US" dirty="0" smtClean="0"/>
+              <a:t>&gt;</a:t>
+            </a:r>
+          </a:p>
+          <a:p>
+            <a:r>
+              <a:rPr lang="en-US" dirty="0" smtClean="0"/>
+              <a:t>You can resolve conflicts by choosing which data you wish you keep (one or a combination of both), then adding and committing your fixed files.</a:t>
+            </a:r>
+          </a:p>
+          <a:p>
+            <a:r>
+              <a:rPr lang="en-US" dirty="0" smtClean="0"/>
+              <a:t>There are many tools to help with this, but they will not be covered here.</a:t>
+            </a:r>
+            <a:endParaRPr lang="en-US" dirty="0"/>
+          </a:p>
+        </p:txBody>
+      </p:sp>
+    </p:spTree>
+    <p:extLst>
+      <p:ext uri="{BB962C8B-B14F-4D97-AF65-F5344CB8AC3E}">
+        <p14:creationId xmlns:p14="http://schemas.microsoft.com/office/powerpoint/2010/main" val="2422969825"/>
+      </p:ext>
+    </p:extLst>
+  </p:cSld>
+  <p:clrMapOvr>
+    <a:masterClrMapping/>
+  </p:clrMapOvr>
+</p:sld>
+</file>
+
+<file path=ppt/slides/slide15.xml><?xml version="1.0" encoding="utf-8"?>
+<p:sld xmlns:a="http://schemas.openxmlformats.org/drawingml/2006/main" xmlns:r="http://schemas.openxmlformats.org/officeDocument/2006/relationships" xmlns:p="http://schemas.openxmlformats.org/presentationml/2006/main">
+  <p:cSld>
+    <p:spTree>
+      <p:nvGrpSpPr>
+        <p:cNvPr id="1" name=""/>
+        <p:cNvGrpSpPr/>
+        <p:nvPr/>
+      </p:nvGrpSpPr>
+      <p:grpSpPr>
+        <a:xfrm>
+          <a:off x="0" y="0"/>
+          <a:ext cx="0" cy="0"/>
+          <a:chOff x="0" y="0"/>
+          <a:chExt cx="0" cy="0"/>
+        </a:xfrm>
+      </p:grpSpPr>
+      <p:sp>
+        <p:nvSpPr>
+          <p:cNvPr id="2" name="Title 1"/>
+          <p:cNvSpPr>
+            <a:spLocks noGrp="1"/>
+          </p:cNvSpPr>
+          <p:nvPr>
+            <p:ph type="title"/>
+          </p:nvPr>
+        </p:nvSpPr>
+        <p:spPr/>
+        <p:txBody>
+          <a:bodyPr/>
+          <a:lstStyle/>
+          <a:p>
+            <a:r>
+              <a:rPr lang="en-US" dirty="0" err="1" smtClean="0"/>
+              <a:t>Git</a:t>
+            </a:r>
+            <a:r>
+              <a:rPr lang="en-US" dirty="0" smtClean="0"/>
+              <a:t> ICE</a:t>
+            </a:r>
+            <a:endParaRPr lang="en-US" dirty="0"/>
+          </a:p>
+        </p:txBody>
+      </p:sp>
+      <p:sp>
+        <p:nvSpPr>
+          <p:cNvPr id="3" name="Content Placeholder 2"/>
+          <p:cNvSpPr>
+            <a:spLocks noGrp="1"/>
+          </p:cNvSpPr>
+          <p:nvPr>
+            <p:ph idx="1"/>
+          </p:nvPr>
+        </p:nvSpPr>
+        <p:spPr/>
+        <p:txBody>
+          <a:bodyPr/>
+          <a:lstStyle/>
+          <a:p>
+            <a:r>
+              <a:rPr lang="en-US" dirty="0" smtClean="0"/>
+              <a:t>Download </a:t>
+            </a:r>
+            <a:r>
+              <a:rPr lang="en-US" dirty="0" err="1" smtClean="0"/>
+              <a:t>Git</a:t>
+            </a:r>
+            <a:r>
+              <a:rPr lang="en-US" dirty="0" smtClean="0"/>
+              <a:t>:</a:t>
+            </a:r>
+          </a:p>
+          <a:p>
+            <a:pPr lvl="1"/>
+            <a:r>
+              <a:rPr lang="en-US" dirty="0" smtClean="0">
+                <a:hlinkClick r:id="rId2"/>
+              </a:rPr>
+              <a:t>https://git-scm.com/downloads</a:t>
+            </a:r>
+            <a:r>
+              <a:rPr lang="en-US" dirty="0" smtClean="0"/>
+              <a:t> </a:t>
+            </a:r>
+          </a:p>
+          <a:p>
+            <a:r>
+              <a:rPr lang="en-US" dirty="0" smtClean="0"/>
+              <a:t>Download the </a:t>
+            </a:r>
+            <a:r>
+              <a:rPr lang="en-US" dirty="0" err="1" smtClean="0"/>
+              <a:t>Powerpoint</a:t>
+            </a:r>
+            <a:r>
+              <a:rPr lang="en-US" dirty="0" smtClean="0"/>
+              <a:t> and instructions:</a:t>
+            </a:r>
+          </a:p>
+          <a:p>
+            <a:pPr lvl="1"/>
+            <a:r>
+              <a:rPr lang="en-US" dirty="0" err="1" smtClean="0">
+                <a:latin typeface="Hack" panose="020B0609030202020204" pitchFamily="49" charset="0"/>
+                <a:ea typeface="Hack" panose="020B0609030202020204" pitchFamily="49" charset="0"/>
+                <a:cs typeface="Hack" panose="020B0609030202020204" pitchFamily="49" charset="0"/>
+              </a:rPr>
+              <a:t>git</a:t>
+            </a:r>
+            <a:r>
+              <a:rPr lang="en-US" dirty="0" smtClean="0">
+                <a:latin typeface="Hack" panose="020B0609030202020204" pitchFamily="49" charset="0"/>
+                <a:ea typeface="Hack" panose="020B0609030202020204" pitchFamily="49" charset="0"/>
+                <a:cs typeface="Hack" panose="020B0609030202020204" pitchFamily="49" charset="0"/>
+              </a:rPr>
+              <a:t> </a:t>
+            </a:r>
+            <a:r>
+              <a:rPr lang="en-US" dirty="0">
+                <a:latin typeface="Hack" panose="020B0609030202020204" pitchFamily="49" charset="0"/>
+                <a:ea typeface="Hack" panose="020B0609030202020204" pitchFamily="49" charset="0"/>
+                <a:cs typeface="Hack" panose="020B0609030202020204" pitchFamily="49" charset="0"/>
+              </a:rPr>
+              <a:t>clone https</a:t>
+            </a:r>
+            <a:r>
+              <a:rPr lang="en-US" dirty="0" smtClean="0">
+                <a:latin typeface="Hack" panose="020B0609030202020204" pitchFamily="49" charset="0"/>
+                <a:ea typeface="Hack" panose="020B0609030202020204" pitchFamily="49" charset="0"/>
+                <a:cs typeface="Hack" panose="020B0609030202020204" pitchFamily="49" charset="0"/>
+              </a:rPr>
+              <a:t>://bitbucket.org/Keswiik/in-class-exercise.git</a:t>
+            </a:r>
+            <a:endParaRPr lang="en-US" dirty="0">
+              <a:latin typeface="Hack" panose="020B0609030202020204" pitchFamily="49" charset="0"/>
+              <a:ea typeface="Hack" panose="020B0609030202020204" pitchFamily="49" charset="0"/>
+              <a:cs typeface="Hack" panose="020B0609030202020204" pitchFamily="49" charset="0"/>
+            </a:endParaRPr>
+          </a:p>
+        </p:txBody>
+      </p:sp>
+    </p:spTree>
+    <p:extLst>
+      <p:ext uri="{BB962C8B-B14F-4D97-AF65-F5344CB8AC3E}">
+        <p14:creationId xmlns:p14="http://schemas.microsoft.com/office/powerpoint/2010/main" val="3114455127"/>
+      </p:ext>
+    </p:extLst>
+  </p:cSld>
+  <p:clrMapOvr>
+    <a:masterClrMapping/>
+  </p:clrMapOvr>
+</p:sld>
+</file>
+
 <file path=ppt/slides/slide2.xml><?xml version="1.0" encoding="utf-8"?>
 <p:sld xmlns:a="http://schemas.openxmlformats.org/drawingml/2006/main" xmlns:r="http://schemas.openxmlformats.org/officeDocument/2006/relationships" xmlns:p="http://schemas.openxmlformats.org/presentationml/2006/main">
   <p:cSld>

--- a/Git.pptx
+++ b/Git.pptx
@@ -8,18 +8,17 @@
     <p:sldId id="256" r:id="rId2"/>
     <p:sldId id="257" r:id="rId3"/>
     <p:sldId id="258" r:id="rId4"/>
-    <p:sldId id="259" r:id="rId5"/>
-    <p:sldId id="260" r:id="rId6"/>
-    <p:sldId id="264" r:id="rId7"/>
-    <p:sldId id="261" r:id="rId8"/>
-    <p:sldId id="262" r:id="rId9"/>
-    <p:sldId id="263" r:id="rId10"/>
-    <p:sldId id="267" r:id="rId11"/>
-    <p:sldId id="268" r:id="rId12"/>
-    <p:sldId id="265" r:id="rId13"/>
-    <p:sldId id="266" r:id="rId14"/>
-    <p:sldId id="269" r:id="rId15"/>
-    <p:sldId id="270" r:id="rId16"/>
+    <p:sldId id="260" r:id="rId5"/>
+    <p:sldId id="264" r:id="rId6"/>
+    <p:sldId id="261" r:id="rId7"/>
+    <p:sldId id="262" r:id="rId8"/>
+    <p:sldId id="263" r:id="rId9"/>
+    <p:sldId id="267" r:id="rId10"/>
+    <p:sldId id="268" r:id="rId11"/>
+    <p:sldId id="265" r:id="rId12"/>
+    <p:sldId id="266" r:id="rId13"/>
+    <p:sldId id="269" r:id="rId14"/>
+    <p:sldId id="270" r:id="rId15"/>
   </p:sldIdLst>
   <p:sldSz cx="12192000" cy="6858000"/>
   <p:notesSz cx="6858000" cy="9144000"/>
@@ -462,7 +461,7 @@
             <a:fld id="{5923F103-BC34-4FE4-A40E-EDDEECFDA5D0}" type="datetimeFigureOut">
               <a:rPr lang="en-US" dirty="0"/>
               <a:pPr/>
-              <a:t>2/6/2017</a:t>
+              <a:t>2/7/2017</a:t>
             </a:fld>
             <a:endParaRPr lang="en-US" dirty="0"/>
           </a:p>
@@ -1550,7 +1549,7 @@
           <a:p>
             <a:fld id="{923A1CC3-2375-41D4-9E03-427CAF2A4C1A}" type="datetimeFigureOut">
               <a:rPr lang="en-US" dirty="0"/>
-              <a:t>2/6/2017</a:t>
+              <a:t>2/7/2017</a:t>
             </a:fld>
             <a:endParaRPr lang="en-US" dirty="0"/>
           </a:p>
@@ -2530,7 +2529,7 @@
           <a:p>
             <a:fld id="{AFF16868-8199-4C2C-A5B1-63AEE139F88E}" type="datetimeFigureOut">
               <a:rPr lang="en-US" dirty="0"/>
-              <a:t>2/6/2017</a:t>
+              <a:t>2/7/2017</a:t>
             </a:fld>
             <a:endParaRPr lang="en-US" dirty="0"/>
           </a:p>
@@ -3664,7 +3663,7 @@
           <a:p>
             <a:fld id="{AAD9FF7F-6988-44CC-821B-644E70CD2F73}" type="datetimeFigureOut">
               <a:rPr lang="en-US" dirty="0"/>
-              <a:t>2/6/2017</a:t>
+              <a:t>2/7/2017</a:t>
             </a:fld>
             <a:endParaRPr lang="en-US" dirty="0"/>
           </a:p>
@@ -4697,7 +4696,7 @@
           <a:p>
             <a:fld id="{5C12C299-16B2-4475-990D-751901EACC14}" type="datetimeFigureOut">
               <a:rPr lang="en-US" dirty="0"/>
-              <a:t>2/6/2017</a:t>
+              <a:t>2/7/2017</a:t>
             </a:fld>
             <a:endParaRPr lang="en-US" dirty="0"/>
           </a:p>
@@ -5357,7 +5356,7 @@
           <a:p>
             <a:fld id="{9FE86839-B9D8-4651-8783-F325ECE74E65}" type="datetimeFigureOut">
               <a:rPr lang="en-US" dirty="0"/>
-              <a:t>2/6/2017</a:t>
+              <a:t>2/7/2017</a:t>
             </a:fld>
             <a:endParaRPr lang="en-US" dirty="0"/>
           </a:p>
@@ -6218,7 +6217,7 @@
           <a:p>
             <a:fld id="{FD484F64-32F6-45C5-931F-ADC1662401D0}" type="datetimeFigureOut">
               <a:rPr lang="en-US" dirty="0"/>
-              <a:t>2/6/2017</a:t>
+              <a:t>2/7/2017</a:t>
             </a:fld>
             <a:endParaRPr lang="en-US" dirty="0"/>
           </a:p>
@@ -6408,7 +6407,7 @@
           <a:p>
             <a:fld id="{53086D93-FCAC-47E0-A2EE-787E62CA814C}" type="datetimeFigureOut">
               <a:rPr lang="en-US" dirty="0"/>
-              <a:t>2/6/2017</a:t>
+              <a:t>2/7/2017</a:t>
             </a:fld>
             <a:endParaRPr lang="en-US" dirty="0"/>
           </a:p>
@@ -7380,7 +7379,7 @@
           <a:p>
             <a:fld id="{CDA879A6-0FD0-4734-A311-86BFCA472E6E}" type="datetimeFigureOut">
               <a:rPr lang="en-US" dirty="0"/>
-              <a:t>2/6/2017</a:t>
+              <a:t>2/7/2017</a:t>
             </a:fld>
             <a:endParaRPr lang="en-US" dirty="0"/>
           </a:p>
@@ -7591,7 +7590,7 @@
           <a:p>
             <a:fld id="{19C9CA7B-DFD4-44B5-8C60-D14B8CD1FB59}" type="datetimeFigureOut">
               <a:rPr lang="en-US" dirty="0"/>
-              <a:t>2/6/2017</a:t>
+              <a:t>2/7/2017</a:t>
             </a:fld>
             <a:endParaRPr lang="en-US" dirty="0"/>
           </a:p>
@@ -8625,7 +8624,7 @@
           <a:p>
             <a:fld id="{F34E6425-0181-43F2-84FC-787E803FD2F8}" type="datetimeFigureOut">
               <a:rPr lang="en-US" dirty="0"/>
-              <a:t>2/6/2017</a:t>
+              <a:t>2/7/2017</a:t>
             </a:fld>
             <a:endParaRPr lang="en-US" dirty="0"/>
           </a:p>
@@ -8897,7 +8896,7 @@
           <a:p>
             <a:fld id="{3BDB8791-F1B0-41E7-B7FD-A781E65C4266}" type="datetimeFigureOut">
               <a:rPr lang="en-US" dirty="0"/>
-              <a:t>2/6/2017</a:t>
+              <a:t>2/7/2017</a:t>
             </a:fld>
             <a:endParaRPr lang="en-US" dirty="0"/>
           </a:p>
@@ -9307,7 +9306,7 @@
           <a:p>
             <a:fld id="{5FDD63B2-E120-4ED8-B27B-C685F510A5FE}" type="datetimeFigureOut">
               <a:rPr lang="en-US" dirty="0"/>
-              <a:t>2/6/2017</a:t>
+              <a:t>2/7/2017</a:t>
             </a:fld>
             <a:endParaRPr lang="en-US" dirty="0"/>
           </a:p>
@@ -9434,7 +9433,7 @@
           <a:p>
             <a:fld id="{7AA18ACC-A947-437B-A130-35BD54FDF1E9}" type="datetimeFigureOut">
               <a:rPr lang="en-US" dirty="0"/>
-              <a:t>2/6/2017</a:t>
+              <a:t>2/7/2017</a:t>
             </a:fld>
             <a:endParaRPr lang="en-US" dirty="0"/>
           </a:p>
@@ -9529,7 +9528,7 @@
           <a:p>
             <a:fld id="{7C8D7E02-BCB8-4D50-A234-369438C08659}" type="datetimeFigureOut">
               <a:rPr lang="en-US" dirty="0"/>
-              <a:t>2/6/2017</a:t>
+              <a:t>2/7/2017</a:t>
             </a:fld>
             <a:endParaRPr lang="en-US" dirty="0"/>
           </a:p>
@@ -10610,7 +10609,7 @@
           <a:p>
             <a:fld id="{76E86A4C-8E40-4F87-A4F0-01A0687C5742}" type="datetimeFigureOut">
               <a:rPr lang="en-US" dirty="0"/>
-              <a:t>2/6/2017</a:t>
+              <a:t>2/7/2017</a:t>
             </a:fld>
             <a:endParaRPr lang="en-US" dirty="0"/>
           </a:p>
@@ -11718,7 +11717,7 @@
           <a:p>
             <a:fld id="{35E72C73-2D91-4E12-BA25-F0AA0C03599B}" type="datetimeFigureOut">
               <a:rPr lang="en-US" dirty="0"/>
-              <a:t>2/6/2017</a:t>
+              <a:t>2/7/2017</a:t>
             </a:fld>
             <a:endParaRPr lang="en-US" dirty="0"/>
           </a:p>
@@ -12715,7 +12714,7 @@
           <a:p>
             <a:fld id="{2BE451C3-0FF4-47C4-B829-773ADF60F88C}" type="datetimeFigureOut">
               <a:rPr lang="en-US" dirty="0"/>
-              <a:t>2/6/2017</a:t>
+              <a:t>2/7/2017</a:t>
             </a:fld>
             <a:endParaRPr lang="en-US" dirty="0"/>
           </a:p>
@@ -13372,179 +13371,6 @@
           <a:p>
             <a:r>
               <a:rPr lang="en-US" dirty="0" smtClean="0"/>
-              <a:t>Branches</a:t>
-            </a:r>
-            <a:endParaRPr lang="en-US" dirty="0"/>
-          </a:p>
-        </p:txBody>
-      </p:sp>
-      <p:sp>
-        <p:nvSpPr>
-          <p:cNvPr id="3" name="Content Placeholder 2"/>
-          <p:cNvSpPr>
-            <a:spLocks noGrp="1"/>
-          </p:cNvSpPr>
-          <p:nvPr>
-            <p:ph idx="1"/>
-          </p:nvPr>
-        </p:nvSpPr>
-        <p:spPr/>
-        <p:txBody>
-          <a:bodyPr/>
-          <a:lstStyle/>
-          <a:p>
-            <a:r>
-              <a:rPr lang="en-US" dirty="0" smtClean="0"/>
-              <a:t>A way to divulge from your project to work on new features without changing what already works</a:t>
-            </a:r>
-          </a:p>
-          <a:p>
-            <a:r>
-              <a:rPr lang="en-US" dirty="0" smtClean="0"/>
-              <a:t>Independent of the main (master) branch after creation</a:t>
-            </a:r>
-          </a:p>
-          <a:p>
-            <a:r>
-              <a:rPr lang="en-US" dirty="0" smtClean="0"/>
-              <a:t>You can create a new branch by doing:</a:t>
-            </a:r>
-            <a:br>
-              <a:rPr lang="en-US" dirty="0" smtClean="0"/>
-            </a:br>
-            <a:r>
-              <a:rPr lang="en-US" dirty="0" err="1" smtClean="0">
-                <a:latin typeface="Hack" panose="020B0609030202020204" pitchFamily="49" charset="0"/>
-                <a:ea typeface="Hack" panose="020B0609030202020204" pitchFamily="49" charset="0"/>
-                <a:cs typeface="Hack" panose="020B0609030202020204" pitchFamily="49" charset="0"/>
-              </a:rPr>
-              <a:t>git</a:t>
-            </a:r>
-            <a:r>
-              <a:rPr lang="en-US" dirty="0" smtClean="0">
-                <a:latin typeface="Hack" panose="020B0609030202020204" pitchFamily="49" charset="0"/>
-                <a:ea typeface="Hack" panose="020B0609030202020204" pitchFamily="49" charset="0"/>
-                <a:cs typeface="Hack" panose="020B0609030202020204" pitchFamily="49" charset="0"/>
-              </a:rPr>
-              <a:t> branch </a:t>
-            </a:r>
-            <a:r>
-              <a:rPr lang="en-US" dirty="0" err="1" smtClean="0">
-                <a:latin typeface="Hack" panose="020B0609030202020204" pitchFamily="49" charset="0"/>
-                <a:ea typeface="Hack" panose="020B0609030202020204" pitchFamily="49" charset="0"/>
-                <a:cs typeface="Hack" panose="020B0609030202020204" pitchFamily="49" charset="0"/>
-              </a:rPr>
-              <a:t>my_new_branch</a:t>
-            </a:r>
-            <a:r>
-              <a:rPr lang="en-US" dirty="0" smtClean="0">
-                <a:latin typeface="Hack" panose="020B0609030202020204" pitchFamily="49" charset="0"/>
-                <a:ea typeface="Hack" panose="020B0609030202020204" pitchFamily="49" charset="0"/>
-                <a:cs typeface="Hack" panose="020B0609030202020204" pitchFamily="49" charset="0"/>
-              </a:rPr>
-              <a:t> -b</a:t>
-            </a:r>
-          </a:p>
-          <a:p>
-            <a:r>
-              <a:rPr lang="en-US" dirty="0" smtClean="0"/>
-              <a:t>To switch to an existing branch, remove ‘-b’ from the above command</a:t>
-            </a:r>
-          </a:p>
-          <a:p>
-            <a:r>
-              <a:rPr lang="en-US" dirty="0" smtClean="0"/>
-              <a:t>Can be rejoined with the main branch by merging:</a:t>
-            </a:r>
-            <a:br>
-              <a:rPr lang="en-US" dirty="0" smtClean="0"/>
-            </a:br>
-            <a:r>
-              <a:rPr lang="en-US" dirty="0" err="1" smtClean="0"/>
-              <a:t>git</a:t>
-            </a:r>
-            <a:r>
-              <a:rPr lang="en-US" dirty="0" smtClean="0"/>
-              <a:t> merge &lt;</a:t>
-            </a:r>
-            <a:r>
-              <a:rPr lang="en-US" dirty="0" err="1" smtClean="0"/>
-              <a:t>branch_to_merge</a:t>
-            </a:r>
-            <a:r>
-              <a:rPr lang="en-US" dirty="0" smtClean="0"/>
-              <a:t>&gt;</a:t>
-            </a:r>
-          </a:p>
-          <a:p>
-            <a:pPr lvl="1"/>
-            <a:r>
-              <a:rPr lang="en-US" dirty="0" smtClean="0"/>
-              <a:t>Merges &lt;</a:t>
-            </a:r>
-            <a:r>
-              <a:rPr lang="en-US" dirty="0" err="1" smtClean="0"/>
-              <a:t>branch_to_merge</a:t>
-            </a:r>
-            <a:r>
-              <a:rPr lang="en-US" dirty="0" smtClean="0"/>
-              <a:t>&gt; with the currently active branch</a:t>
-            </a:r>
-            <a:endParaRPr lang="en-US" dirty="0"/>
-          </a:p>
-          <a:p>
-            <a:pPr lvl="1"/>
-            <a:endParaRPr lang="en-US" dirty="0" smtClean="0"/>
-          </a:p>
-        </p:txBody>
-      </p:sp>
-    </p:spTree>
-    <p:extLst>
-      <p:ext uri="{BB962C8B-B14F-4D97-AF65-F5344CB8AC3E}">
-        <p14:creationId xmlns:p14="http://schemas.microsoft.com/office/powerpoint/2010/main" val="1760384876"/>
-      </p:ext>
-    </p:extLst>
-  </p:cSld>
-  <p:clrMapOvr>
-    <a:masterClrMapping/>
-  </p:clrMapOvr>
-</p:sld>
-</file>
-
-<file path=ppt/slides/slide11.xml><?xml version="1.0" encoding="utf-8"?>
-<p:sld xmlns:a="http://schemas.openxmlformats.org/drawingml/2006/main" xmlns:r="http://schemas.openxmlformats.org/officeDocument/2006/relationships" xmlns:p="http://schemas.openxmlformats.org/presentationml/2006/main">
-  <p:cSld>
-    <p:spTree>
-      <p:nvGrpSpPr>
-        <p:cNvPr id="1" name=""/>
-        <p:cNvGrpSpPr/>
-        <p:nvPr/>
-      </p:nvGrpSpPr>
-      <p:grpSpPr>
-        <a:xfrm>
-          <a:off x="0" y="0"/>
-          <a:ext cx="0" cy="0"/>
-          <a:chOff x="0" y="0"/>
-          <a:chExt cx="0" cy="0"/>
-        </a:xfrm>
-      </p:grpSpPr>
-      <p:sp>
-        <p:nvSpPr>
-          <p:cNvPr id="2" name="Title 1"/>
-          <p:cNvSpPr>
-            <a:spLocks noGrp="1"/>
-          </p:cNvSpPr>
-          <p:nvPr>
-            <p:ph type="title"/>
-          </p:nvPr>
-        </p:nvSpPr>
-        <p:spPr/>
-        <p:txBody>
-          <a:bodyPr/>
-          <a:lstStyle/>
-          <a:p>
-            <a:r>
-              <a:rPr lang="en-US" dirty="0" smtClean="0"/>
               <a:t>Removing Branches</a:t>
             </a:r>
             <a:endParaRPr lang="en-US" dirty="0"/>
@@ -13734,7 +13560,7 @@
 </p:sld>
 </file>
 
-<file path=ppt/slides/slide12.xml><?xml version="1.0" encoding="utf-8"?>
+<file path=ppt/slides/slide11.xml><?xml version="1.0" encoding="utf-8"?>
 <p:sld xmlns:a="http://schemas.openxmlformats.org/drawingml/2006/main" xmlns:r="http://schemas.openxmlformats.org/officeDocument/2006/relationships" xmlns:p="http://schemas.openxmlformats.org/presentationml/2006/main">
   <p:cSld>
     <p:spTree>
@@ -14289,7 +14115,7 @@
             <a:pPr lvl="1"/>
             <a:r>
               <a:rPr lang="en-US" dirty="0" smtClean="0">
-                <a:latin typeface="Hack" panose="020B0609030202020204" pitchFamily="49" charset="0"/>
+                <a:latin typeface="Century Gothic (Body)"/>
                 <a:ea typeface="Hack" panose="020B0609030202020204" pitchFamily="49" charset="0"/>
                 <a:cs typeface="Hack" panose="020B0609030202020204" pitchFamily="49" charset="0"/>
               </a:rPr>
@@ -14302,6 +14128,244 @@
     <p:extLst>
       <p:ext uri="{BB962C8B-B14F-4D97-AF65-F5344CB8AC3E}">
         <p14:creationId xmlns:p14="http://schemas.microsoft.com/office/powerpoint/2010/main" val="3377865571"/>
+      </p:ext>
+    </p:extLst>
+  </p:cSld>
+  <p:clrMapOvr>
+    <a:masterClrMapping/>
+  </p:clrMapOvr>
+</p:sld>
+</file>
+
+<file path=ppt/slides/slide12.xml><?xml version="1.0" encoding="utf-8"?>
+<p:sld xmlns:a="http://schemas.openxmlformats.org/drawingml/2006/main" xmlns:r="http://schemas.openxmlformats.org/officeDocument/2006/relationships" xmlns:p="http://schemas.openxmlformats.org/presentationml/2006/main">
+  <p:cSld>
+    <p:spTree>
+      <p:nvGrpSpPr>
+        <p:cNvPr id="1" name=""/>
+        <p:cNvGrpSpPr/>
+        <p:nvPr/>
+      </p:nvGrpSpPr>
+      <p:grpSpPr>
+        <a:xfrm>
+          <a:off x="0" y="0"/>
+          <a:ext cx="0" cy="0"/>
+          <a:chOff x="0" y="0"/>
+          <a:chExt cx="0" cy="0"/>
+        </a:xfrm>
+      </p:grpSpPr>
+      <p:sp>
+        <p:nvSpPr>
+          <p:cNvPr id="2" name="Title 1"/>
+          <p:cNvSpPr>
+            <a:spLocks noGrp="1"/>
+          </p:cNvSpPr>
+          <p:nvPr>
+            <p:ph type="title"/>
+          </p:nvPr>
+        </p:nvSpPr>
+        <p:spPr/>
+        <p:txBody>
+          <a:bodyPr/>
+          <a:lstStyle/>
+          <a:p>
+            <a:r>
+              <a:rPr lang="en-US" dirty="0" smtClean="0"/>
+              <a:t>Undoing Commits</a:t>
+            </a:r>
+            <a:endParaRPr lang="en-US" dirty="0"/>
+          </a:p>
+        </p:txBody>
+      </p:sp>
+      <p:sp>
+        <p:nvSpPr>
+          <p:cNvPr id="3" name="Content Placeholder 2"/>
+          <p:cNvSpPr>
+            <a:spLocks noGrp="1"/>
+          </p:cNvSpPr>
+          <p:nvPr>
+            <p:ph idx="1"/>
+          </p:nvPr>
+        </p:nvSpPr>
+        <p:spPr/>
+        <p:txBody>
+          <a:bodyPr/>
+          <a:lstStyle/>
+          <a:p>
+            <a:r>
+              <a:rPr lang="en-US" dirty="0" err="1" smtClean="0">
+                <a:latin typeface="Hack" panose="020B0609030202020204" pitchFamily="49" charset="0"/>
+                <a:ea typeface="Hack" panose="020B0609030202020204" pitchFamily="49" charset="0"/>
+                <a:cs typeface="Hack" panose="020B0609030202020204" pitchFamily="49" charset="0"/>
+              </a:rPr>
+              <a:t>git</a:t>
+            </a:r>
+            <a:r>
+              <a:rPr lang="en-US" dirty="0" smtClean="0">
+                <a:latin typeface="Hack" panose="020B0609030202020204" pitchFamily="49" charset="0"/>
+                <a:ea typeface="Hack" panose="020B0609030202020204" pitchFamily="49" charset="0"/>
+                <a:cs typeface="Hack" panose="020B0609030202020204" pitchFamily="49" charset="0"/>
+              </a:rPr>
+              <a:t> revert &lt;</a:t>
+            </a:r>
+            <a:r>
+              <a:rPr lang="en-US" dirty="0" err="1" smtClean="0">
+                <a:latin typeface="Hack" panose="020B0609030202020204" pitchFamily="49" charset="0"/>
+                <a:ea typeface="Hack" panose="020B0609030202020204" pitchFamily="49" charset="0"/>
+                <a:cs typeface="Hack" panose="020B0609030202020204" pitchFamily="49" charset="0"/>
+              </a:rPr>
+              <a:t>commit_id</a:t>
+            </a:r>
+            <a:r>
+              <a:rPr lang="en-US" dirty="0" smtClean="0">
+                <a:latin typeface="Hack" panose="020B0609030202020204" pitchFamily="49" charset="0"/>
+                <a:ea typeface="Hack" panose="020B0609030202020204" pitchFamily="49" charset="0"/>
+                <a:cs typeface="Hack" panose="020B0609030202020204" pitchFamily="49" charset="0"/>
+              </a:rPr>
+              <a:t>&gt;</a:t>
+            </a:r>
+          </a:p>
+          <a:p>
+            <a:pPr lvl="1"/>
+            <a:r>
+              <a:rPr lang="en-US" dirty="0" smtClean="0">
+                <a:latin typeface="Century Gothic (Body)"/>
+                <a:ea typeface="Hack" panose="020B0609030202020204" pitchFamily="49" charset="0"/>
+                <a:cs typeface="Hack" panose="020B0609030202020204" pitchFamily="49" charset="0"/>
+              </a:rPr>
+              <a:t>Safe way of undoing commits</a:t>
+            </a:r>
+          </a:p>
+          <a:p>
+            <a:pPr lvl="1"/>
+            <a:r>
+              <a:rPr lang="en-US" dirty="0" smtClean="0">
+                <a:latin typeface="Century Gothic (Body)"/>
+                <a:ea typeface="Hack" panose="020B0609030202020204" pitchFamily="49" charset="0"/>
+                <a:cs typeface="Hack" panose="020B0609030202020204" pitchFamily="49" charset="0"/>
+              </a:rPr>
+              <a:t>Does not delete commits between HEAD and the commit specified</a:t>
+            </a:r>
+          </a:p>
+          <a:p>
+            <a:r>
+              <a:rPr lang="en-US" dirty="0" err="1" smtClean="0">
+                <a:latin typeface="Hack" panose="020B0609030202020204" pitchFamily="49" charset="0"/>
+                <a:ea typeface="Hack" panose="020B0609030202020204" pitchFamily="49" charset="0"/>
+                <a:cs typeface="Hack" panose="020B0609030202020204" pitchFamily="49" charset="0"/>
+              </a:rPr>
+              <a:t>git</a:t>
+            </a:r>
+            <a:r>
+              <a:rPr lang="en-US" dirty="0" smtClean="0">
+                <a:latin typeface="Hack" panose="020B0609030202020204" pitchFamily="49" charset="0"/>
+                <a:ea typeface="Hack" panose="020B0609030202020204" pitchFamily="49" charset="0"/>
+                <a:cs typeface="Hack" panose="020B0609030202020204" pitchFamily="49" charset="0"/>
+              </a:rPr>
+              <a:t> reset --hard HEAD~&lt;</a:t>
+            </a:r>
+            <a:r>
+              <a:rPr lang="en-US" dirty="0" err="1" smtClean="0">
+                <a:latin typeface="Hack" panose="020B0609030202020204" pitchFamily="49" charset="0"/>
+                <a:ea typeface="Hack" panose="020B0609030202020204" pitchFamily="49" charset="0"/>
+                <a:cs typeface="Hack" panose="020B0609030202020204" pitchFamily="49" charset="0"/>
+              </a:rPr>
+              <a:t>number_of_commits_to_remove</a:t>
+            </a:r>
+            <a:r>
+              <a:rPr lang="en-US" dirty="0" smtClean="0">
+                <a:latin typeface="Hack" panose="020B0609030202020204" pitchFamily="49" charset="0"/>
+                <a:ea typeface="Hack" panose="020B0609030202020204" pitchFamily="49" charset="0"/>
+                <a:cs typeface="Hack" panose="020B0609030202020204" pitchFamily="49" charset="0"/>
+              </a:rPr>
+              <a:t>&gt;</a:t>
+            </a:r>
+            <a:br>
+              <a:rPr lang="en-US" dirty="0" smtClean="0">
+                <a:latin typeface="Hack" panose="020B0609030202020204" pitchFamily="49" charset="0"/>
+                <a:ea typeface="Hack" panose="020B0609030202020204" pitchFamily="49" charset="0"/>
+                <a:cs typeface="Hack" panose="020B0609030202020204" pitchFamily="49" charset="0"/>
+              </a:rPr>
+            </a:br>
+            <a:r>
+              <a:rPr lang="en-US" dirty="0" err="1" smtClean="0">
+                <a:latin typeface="Hack" panose="020B0609030202020204" pitchFamily="49" charset="0"/>
+                <a:ea typeface="Hack" panose="020B0609030202020204" pitchFamily="49" charset="0"/>
+                <a:cs typeface="Hack" panose="020B0609030202020204" pitchFamily="49" charset="0"/>
+              </a:rPr>
+              <a:t>git</a:t>
+            </a:r>
+            <a:r>
+              <a:rPr lang="en-US" dirty="0" smtClean="0">
+                <a:latin typeface="Hack" panose="020B0609030202020204" pitchFamily="49" charset="0"/>
+                <a:ea typeface="Hack" panose="020B0609030202020204" pitchFamily="49" charset="0"/>
+                <a:cs typeface="Hack" panose="020B0609030202020204" pitchFamily="49" charset="0"/>
+              </a:rPr>
+              <a:t> push origin HEAD --force</a:t>
+            </a:r>
+          </a:p>
+          <a:p>
+            <a:pPr lvl="1"/>
+            <a:r>
+              <a:rPr lang="en-US" dirty="0" smtClean="0">
+                <a:latin typeface="Century Gothic (Body)"/>
+                <a:ea typeface="Hack" panose="020B0609030202020204" pitchFamily="49" charset="0"/>
+                <a:cs typeface="Hack" panose="020B0609030202020204" pitchFamily="49" charset="0"/>
+              </a:rPr>
+              <a:t>Resets your local branch back by a specific number of commits, then updates the remote accordingly</a:t>
+            </a:r>
+          </a:p>
+          <a:p>
+            <a:r>
+              <a:rPr lang="en-US" dirty="0" err="1" smtClean="0">
+                <a:latin typeface="Hack" panose="020B0609030202020204" pitchFamily="49" charset="0"/>
+                <a:ea typeface="Hack" panose="020B0609030202020204" pitchFamily="49" charset="0"/>
+                <a:cs typeface="Hack" panose="020B0609030202020204" pitchFamily="49" charset="0"/>
+              </a:rPr>
+              <a:t>git</a:t>
+            </a:r>
+            <a:r>
+              <a:rPr lang="en-US" dirty="0" smtClean="0">
+                <a:latin typeface="Hack" panose="020B0609030202020204" pitchFamily="49" charset="0"/>
+                <a:ea typeface="Hack" panose="020B0609030202020204" pitchFamily="49" charset="0"/>
+                <a:cs typeface="Hack" panose="020B0609030202020204" pitchFamily="49" charset="0"/>
+              </a:rPr>
+              <a:t> reset --hard origin/&lt;</a:t>
+            </a:r>
+            <a:r>
+              <a:rPr lang="en-US" dirty="0" err="1" smtClean="0">
+                <a:latin typeface="Hack" panose="020B0609030202020204" pitchFamily="49" charset="0"/>
+                <a:ea typeface="Hack" panose="020B0609030202020204" pitchFamily="49" charset="0"/>
+                <a:cs typeface="Hack" panose="020B0609030202020204" pitchFamily="49" charset="0"/>
+              </a:rPr>
+              <a:t>branch_name</a:t>
+            </a:r>
+            <a:r>
+              <a:rPr lang="en-US" dirty="0" smtClean="0">
+                <a:latin typeface="Hack" panose="020B0609030202020204" pitchFamily="49" charset="0"/>
+                <a:ea typeface="Hack" panose="020B0609030202020204" pitchFamily="49" charset="0"/>
+                <a:cs typeface="Hack" panose="020B0609030202020204" pitchFamily="49" charset="0"/>
+              </a:rPr>
+              <a:t>&gt;</a:t>
+            </a:r>
+          </a:p>
+          <a:p>
+            <a:pPr lvl="1"/>
+            <a:r>
+              <a:rPr lang="en-US" dirty="0" smtClean="0">
+                <a:latin typeface="Century Gothic (Body)"/>
+                <a:ea typeface="Hack" panose="020B0609030202020204" pitchFamily="49" charset="0"/>
+                <a:cs typeface="Hack" panose="020B0609030202020204" pitchFamily="49" charset="0"/>
+              </a:rPr>
+              <a:t>Deletes all of your local commits that have not been pushed</a:t>
+            </a:r>
+          </a:p>
+        </p:txBody>
+      </p:sp>
+    </p:spTree>
+    <p:extLst>
+      <p:ext uri="{BB962C8B-B14F-4D97-AF65-F5344CB8AC3E}">
+        <p14:creationId xmlns:p14="http://schemas.microsoft.com/office/powerpoint/2010/main" val="1173838844"/>
       </p:ext>
     </p:extLst>
   </p:cSld>
@@ -14345,244 +14409,6 @@
           <a:p>
             <a:r>
               <a:rPr lang="en-US" dirty="0" smtClean="0"/>
-              <a:t>Undoing Commits</a:t>
-            </a:r>
-            <a:endParaRPr lang="en-US" dirty="0"/>
-          </a:p>
-        </p:txBody>
-      </p:sp>
-      <p:sp>
-        <p:nvSpPr>
-          <p:cNvPr id="3" name="Content Placeholder 2"/>
-          <p:cNvSpPr>
-            <a:spLocks noGrp="1"/>
-          </p:cNvSpPr>
-          <p:nvPr>
-            <p:ph idx="1"/>
-          </p:nvPr>
-        </p:nvSpPr>
-        <p:spPr/>
-        <p:txBody>
-          <a:bodyPr/>
-          <a:lstStyle/>
-          <a:p>
-            <a:r>
-              <a:rPr lang="en-US" dirty="0" err="1" smtClean="0">
-                <a:latin typeface="Hack" panose="020B0609030202020204" pitchFamily="49" charset="0"/>
-                <a:ea typeface="Hack" panose="020B0609030202020204" pitchFamily="49" charset="0"/>
-                <a:cs typeface="Hack" panose="020B0609030202020204" pitchFamily="49" charset="0"/>
-              </a:rPr>
-              <a:t>git</a:t>
-            </a:r>
-            <a:r>
-              <a:rPr lang="en-US" dirty="0" smtClean="0">
-                <a:latin typeface="Hack" panose="020B0609030202020204" pitchFamily="49" charset="0"/>
-                <a:ea typeface="Hack" panose="020B0609030202020204" pitchFamily="49" charset="0"/>
-                <a:cs typeface="Hack" panose="020B0609030202020204" pitchFamily="49" charset="0"/>
-              </a:rPr>
-              <a:t> revert &lt;</a:t>
-            </a:r>
-            <a:r>
-              <a:rPr lang="en-US" dirty="0" err="1" smtClean="0">
-                <a:latin typeface="Hack" panose="020B0609030202020204" pitchFamily="49" charset="0"/>
-                <a:ea typeface="Hack" panose="020B0609030202020204" pitchFamily="49" charset="0"/>
-                <a:cs typeface="Hack" panose="020B0609030202020204" pitchFamily="49" charset="0"/>
-              </a:rPr>
-              <a:t>commit_id</a:t>
-            </a:r>
-            <a:r>
-              <a:rPr lang="en-US" dirty="0" smtClean="0">
-                <a:latin typeface="Hack" panose="020B0609030202020204" pitchFamily="49" charset="0"/>
-                <a:ea typeface="Hack" panose="020B0609030202020204" pitchFamily="49" charset="0"/>
-                <a:cs typeface="Hack" panose="020B0609030202020204" pitchFamily="49" charset="0"/>
-              </a:rPr>
-              <a:t>&gt;</a:t>
-            </a:r>
-          </a:p>
-          <a:p>
-            <a:pPr lvl="1"/>
-            <a:r>
-              <a:rPr lang="en-US" dirty="0" smtClean="0">
-                <a:latin typeface="Century Gothic (Body)"/>
-                <a:ea typeface="Hack" panose="020B0609030202020204" pitchFamily="49" charset="0"/>
-                <a:cs typeface="Hack" panose="020B0609030202020204" pitchFamily="49" charset="0"/>
-              </a:rPr>
-              <a:t>Safe way of undoing commits</a:t>
-            </a:r>
-          </a:p>
-          <a:p>
-            <a:pPr lvl="1"/>
-            <a:r>
-              <a:rPr lang="en-US" dirty="0" smtClean="0">
-                <a:latin typeface="Century Gothic (Body)"/>
-                <a:ea typeface="Hack" panose="020B0609030202020204" pitchFamily="49" charset="0"/>
-                <a:cs typeface="Hack" panose="020B0609030202020204" pitchFamily="49" charset="0"/>
-              </a:rPr>
-              <a:t>Does not delete commits between HEAD and the commit specified</a:t>
-            </a:r>
-          </a:p>
-          <a:p>
-            <a:r>
-              <a:rPr lang="en-US" dirty="0" err="1" smtClean="0">
-                <a:latin typeface="Hack" panose="020B0609030202020204" pitchFamily="49" charset="0"/>
-                <a:ea typeface="Hack" panose="020B0609030202020204" pitchFamily="49" charset="0"/>
-                <a:cs typeface="Hack" panose="020B0609030202020204" pitchFamily="49" charset="0"/>
-              </a:rPr>
-              <a:t>git</a:t>
-            </a:r>
-            <a:r>
-              <a:rPr lang="en-US" dirty="0" smtClean="0">
-                <a:latin typeface="Hack" panose="020B0609030202020204" pitchFamily="49" charset="0"/>
-                <a:ea typeface="Hack" panose="020B0609030202020204" pitchFamily="49" charset="0"/>
-                <a:cs typeface="Hack" panose="020B0609030202020204" pitchFamily="49" charset="0"/>
-              </a:rPr>
-              <a:t> reset --hard HEAD~&lt;</a:t>
-            </a:r>
-            <a:r>
-              <a:rPr lang="en-US" dirty="0" err="1" smtClean="0">
-                <a:latin typeface="Hack" panose="020B0609030202020204" pitchFamily="49" charset="0"/>
-                <a:ea typeface="Hack" panose="020B0609030202020204" pitchFamily="49" charset="0"/>
-                <a:cs typeface="Hack" panose="020B0609030202020204" pitchFamily="49" charset="0"/>
-              </a:rPr>
-              <a:t>number_of_commits_to_remove</a:t>
-            </a:r>
-            <a:r>
-              <a:rPr lang="en-US" dirty="0" smtClean="0">
-                <a:latin typeface="Hack" panose="020B0609030202020204" pitchFamily="49" charset="0"/>
-                <a:ea typeface="Hack" panose="020B0609030202020204" pitchFamily="49" charset="0"/>
-                <a:cs typeface="Hack" panose="020B0609030202020204" pitchFamily="49" charset="0"/>
-              </a:rPr>
-              <a:t>&gt;</a:t>
-            </a:r>
-            <a:br>
-              <a:rPr lang="en-US" dirty="0" smtClean="0">
-                <a:latin typeface="Hack" panose="020B0609030202020204" pitchFamily="49" charset="0"/>
-                <a:ea typeface="Hack" panose="020B0609030202020204" pitchFamily="49" charset="0"/>
-                <a:cs typeface="Hack" panose="020B0609030202020204" pitchFamily="49" charset="0"/>
-              </a:rPr>
-            </a:br>
-            <a:r>
-              <a:rPr lang="en-US" dirty="0" err="1" smtClean="0">
-                <a:latin typeface="Hack" panose="020B0609030202020204" pitchFamily="49" charset="0"/>
-                <a:ea typeface="Hack" panose="020B0609030202020204" pitchFamily="49" charset="0"/>
-                <a:cs typeface="Hack" panose="020B0609030202020204" pitchFamily="49" charset="0"/>
-              </a:rPr>
-              <a:t>git</a:t>
-            </a:r>
-            <a:r>
-              <a:rPr lang="en-US" dirty="0" smtClean="0">
-                <a:latin typeface="Hack" panose="020B0609030202020204" pitchFamily="49" charset="0"/>
-                <a:ea typeface="Hack" panose="020B0609030202020204" pitchFamily="49" charset="0"/>
-                <a:cs typeface="Hack" panose="020B0609030202020204" pitchFamily="49" charset="0"/>
-              </a:rPr>
-              <a:t> push origin HEAD --force</a:t>
-            </a:r>
-          </a:p>
-          <a:p>
-            <a:pPr lvl="1"/>
-            <a:r>
-              <a:rPr lang="en-US" dirty="0" smtClean="0">
-                <a:latin typeface="Century Gothic (Body)"/>
-                <a:ea typeface="Hack" panose="020B0609030202020204" pitchFamily="49" charset="0"/>
-                <a:cs typeface="Hack" panose="020B0609030202020204" pitchFamily="49" charset="0"/>
-              </a:rPr>
-              <a:t>Resets your local branch back by a specific number of commits, then updates the remote accordingly</a:t>
-            </a:r>
-          </a:p>
-          <a:p>
-            <a:r>
-              <a:rPr lang="en-US" dirty="0" err="1" smtClean="0">
-                <a:latin typeface="Hack" panose="020B0609030202020204" pitchFamily="49" charset="0"/>
-                <a:ea typeface="Hack" panose="020B0609030202020204" pitchFamily="49" charset="0"/>
-                <a:cs typeface="Hack" panose="020B0609030202020204" pitchFamily="49" charset="0"/>
-              </a:rPr>
-              <a:t>git</a:t>
-            </a:r>
-            <a:r>
-              <a:rPr lang="en-US" dirty="0" smtClean="0">
-                <a:latin typeface="Hack" panose="020B0609030202020204" pitchFamily="49" charset="0"/>
-                <a:ea typeface="Hack" panose="020B0609030202020204" pitchFamily="49" charset="0"/>
-                <a:cs typeface="Hack" panose="020B0609030202020204" pitchFamily="49" charset="0"/>
-              </a:rPr>
-              <a:t> reset --hard origin/&lt;</a:t>
-            </a:r>
-            <a:r>
-              <a:rPr lang="en-US" dirty="0" err="1" smtClean="0">
-                <a:latin typeface="Hack" panose="020B0609030202020204" pitchFamily="49" charset="0"/>
-                <a:ea typeface="Hack" panose="020B0609030202020204" pitchFamily="49" charset="0"/>
-                <a:cs typeface="Hack" panose="020B0609030202020204" pitchFamily="49" charset="0"/>
-              </a:rPr>
-              <a:t>branch_name</a:t>
-            </a:r>
-            <a:r>
-              <a:rPr lang="en-US" dirty="0" smtClean="0">
-                <a:latin typeface="Hack" panose="020B0609030202020204" pitchFamily="49" charset="0"/>
-                <a:ea typeface="Hack" panose="020B0609030202020204" pitchFamily="49" charset="0"/>
-                <a:cs typeface="Hack" panose="020B0609030202020204" pitchFamily="49" charset="0"/>
-              </a:rPr>
-              <a:t>&gt;</a:t>
-            </a:r>
-          </a:p>
-          <a:p>
-            <a:pPr lvl="1"/>
-            <a:r>
-              <a:rPr lang="en-US" dirty="0" smtClean="0">
-                <a:latin typeface="Century Gothic (Body)"/>
-                <a:ea typeface="Hack" panose="020B0609030202020204" pitchFamily="49" charset="0"/>
-                <a:cs typeface="Hack" panose="020B0609030202020204" pitchFamily="49" charset="0"/>
-              </a:rPr>
-              <a:t>Deletes all of your local commits that have not been pushed</a:t>
-            </a:r>
-          </a:p>
-        </p:txBody>
-      </p:sp>
-    </p:spTree>
-    <p:extLst>
-      <p:ext uri="{BB962C8B-B14F-4D97-AF65-F5344CB8AC3E}">
-        <p14:creationId xmlns:p14="http://schemas.microsoft.com/office/powerpoint/2010/main" val="1173838844"/>
-      </p:ext>
-    </p:extLst>
-  </p:cSld>
-  <p:clrMapOvr>
-    <a:masterClrMapping/>
-  </p:clrMapOvr>
-</p:sld>
-</file>
-
-<file path=ppt/slides/slide14.xml><?xml version="1.0" encoding="utf-8"?>
-<p:sld xmlns:a="http://schemas.openxmlformats.org/drawingml/2006/main" xmlns:r="http://schemas.openxmlformats.org/officeDocument/2006/relationships" xmlns:p="http://schemas.openxmlformats.org/presentationml/2006/main">
-  <p:cSld>
-    <p:spTree>
-      <p:nvGrpSpPr>
-        <p:cNvPr id="1" name=""/>
-        <p:cNvGrpSpPr/>
-        <p:nvPr/>
-      </p:nvGrpSpPr>
-      <p:grpSpPr>
-        <a:xfrm>
-          <a:off x="0" y="0"/>
-          <a:ext cx="0" cy="0"/>
-          <a:chOff x="0" y="0"/>
-          <a:chExt cx="0" cy="0"/>
-        </a:xfrm>
-      </p:grpSpPr>
-      <p:sp>
-        <p:nvSpPr>
-          <p:cNvPr id="2" name="Title 1"/>
-          <p:cNvSpPr>
-            <a:spLocks noGrp="1"/>
-          </p:cNvSpPr>
-          <p:nvPr>
-            <p:ph type="title"/>
-          </p:nvPr>
-        </p:nvSpPr>
-        <p:spPr/>
-        <p:txBody>
-          <a:bodyPr/>
-          <a:lstStyle/>
-          <a:p>
-            <a:r>
-              <a:rPr lang="en-US" dirty="0" smtClean="0"/>
               <a:t>Fixing Conflicts</a:t>
             </a:r>
             <a:endParaRPr lang="en-US" dirty="0"/>
@@ -14724,7 +14550,7 @@
 </p:sld>
 </file>
 
-<file path=ppt/slides/slide15.xml><?xml version="1.0" encoding="utf-8"?>
+<file path=ppt/slides/slide14.xml><?xml version="1.0" encoding="utf-8"?>
 <p:sld xmlns:a="http://schemas.openxmlformats.org/drawingml/2006/main" xmlns:r="http://schemas.openxmlformats.org/officeDocument/2006/relationships" xmlns:p="http://schemas.openxmlformats.org/presentationml/2006/main">
   <p:cSld>
     <p:spTree>
@@ -15080,15 +14906,7 @@
             <a:pPr lvl="1"/>
             <a:r>
               <a:rPr lang="en-US" dirty="0" smtClean="0"/>
-              <a:t>Tracks file changes within a specific </a:t>
-            </a:r>
-            <a:r>
-              <a:rPr lang="en-US" dirty="0" smtClean="0"/>
-              <a:t>folder/directory </a:t>
-            </a:r>
-            <a:r>
-              <a:rPr lang="en-US" dirty="0" smtClean="0"/>
-              <a:t>(repository)</a:t>
+              <a:t>Tracks file changes within a specific folder/directory (repository)</a:t>
             </a:r>
           </a:p>
           <a:p>
@@ -15154,8 +14972,12 @@
           <a:lstStyle/>
           <a:p>
             <a:r>
+              <a:rPr lang="en-US" dirty="0" err="1" smtClean="0"/>
+              <a:t>Gitting</a:t>
+            </a:r>
+            <a:r>
               <a:rPr lang="en-US" dirty="0" smtClean="0"/>
-              <a:t>Vocabulary</a:t>
+              <a:t> Started: Accessing a Repo</a:t>
             </a:r>
             <a:endParaRPr lang="en-US" dirty="0"/>
           </a:p>
@@ -15178,39 +15000,179 @@
           <a:p>
             <a:r>
               <a:rPr lang="en-US" dirty="0" smtClean="0"/>
-              <a:t>Repository: Your project’s “folder”</a:t>
+              <a:t>Two ways of accessing a repository</a:t>
             </a:r>
           </a:p>
           <a:p>
             <a:pPr lvl="1"/>
             <a:r>
               <a:rPr lang="en-US" dirty="0" smtClean="0"/>
-              <a:t>Can be public / private</a:t>
+              <a:t>Cloning it</a:t>
             </a:r>
           </a:p>
           <a:p>
             <a:pPr lvl="1"/>
             <a:r>
               <a:rPr lang="en-US" dirty="0" smtClean="0"/>
-              <a:t>Stores each file’s revision history</a:t>
-            </a:r>
-          </a:p>
-          <a:p>
-            <a:r>
-              <a:rPr lang="en-US" dirty="0" smtClean="0"/>
-              <a:t>Head: local objects and files</a:t>
-            </a:r>
-          </a:p>
-          <a:p>
-            <a:r>
-              <a:rPr lang="en-US" dirty="0" smtClean="0"/>
-              <a:t>Remote: objects / files within a remote repository</a:t>
-            </a:r>
-          </a:p>
-          <a:p>
-            <a:r>
-              <a:rPr lang="en-US" dirty="0" smtClean="0"/>
-              <a:t>Stash: Objects that have not yet been committed</a:t>
+              <a:t>Adding a remote to an existing local repo</a:t>
+            </a:r>
+          </a:p>
+          <a:p>
+            <a:pPr lvl="1"/>
+            <a:endParaRPr lang="en-US" dirty="0" smtClean="0"/>
+          </a:p>
+          <a:p>
+            <a:pPr marL="457200" lvl="1" indent="0">
+              <a:buNone/>
+            </a:pPr>
+            <a:endParaRPr lang="en-US" dirty="0"/>
+          </a:p>
+        </p:txBody>
+      </p:sp>
+      <p:sp>
+        <p:nvSpPr>
+          <p:cNvPr id="4" name="TextBox 3"/>
+          <p:cNvSpPr txBox="1"/>
+          <p:nvPr/>
+        </p:nvSpPr>
+        <p:spPr>
+          <a:xfrm>
+            <a:off x="1727303" y="4114800"/>
+            <a:ext cx="3840480" cy="2308324"/>
+          </a:xfrm>
+          <a:prstGeom prst="rect">
+            <a:avLst/>
+          </a:prstGeom>
+          <a:noFill/>
+        </p:spPr>
+        <p:txBody>
+          <a:bodyPr wrap="square" rtlCol="0">
+            <a:spAutoFit/>
+          </a:bodyPr>
+          <a:lstStyle/>
+          <a:p>
+            <a:r>
+              <a:rPr lang="en-US" dirty="0" err="1" smtClean="0">
+                <a:latin typeface="Hack" panose="020B0609030202020204" pitchFamily="49" charset="0"/>
+                <a:ea typeface="Hack" panose="020B0609030202020204" pitchFamily="49" charset="0"/>
+                <a:cs typeface="Hack" panose="020B0609030202020204" pitchFamily="49" charset="0"/>
+              </a:rPr>
+              <a:t>git</a:t>
+            </a:r>
+            <a:r>
+              <a:rPr lang="en-US" dirty="0" smtClean="0">
+                <a:latin typeface="Hack" panose="020B0609030202020204" pitchFamily="49" charset="0"/>
+                <a:ea typeface="Hack" panose="020B0609030202020204" pitchFamily="49" charset="0"/>
+                <a:cs typeface="Hack" panose="020B0609030202020204" pitchFamily="49" charset="0"/>
+              </a:rPr>
+              <a:t> clone http://bitbucket.org/Username/git-repo-name.git</a:t>
+            </a:r>
+          </a:p>
+          <a:p>
+            <a:endParaRPr lang="en-US" dirty="0">
+              <a:latin typeface="Hack" panose="020B0609030202020204" pitchFamily="49" charset="0"/>
+              <a:ea typeface="Hack" panose="020B0609030202020204" pitchFamily="49" charset="0"/>
+              <a:cs typeface="Hack" panose="020B0609030202020204" pitchFamily="49" charset="0"/>
+            </a:endParaRPr>
+          </a:p>
+          <a:p>
+            <a:r>
+              <a:rPr lang="en-US" dirty="0" smtClean="0">
+                <a:latin typeface="Century Gothic (Body)"/>
+                <a:ea typeface="Hack" panose="020B0609030202020204" pitchFamily="49" charset="0"/>
+                <a:cs typeface="Courier New" panose="02070309020205020404" pitchFamily="49" charset="0"/>
+              </a:rPr>
+              <a:t>The repository will now be downloaded and saved in a folder named after your repo – in our case, ‘</a:t>
+            </a:r>
+            <a:r>
+              <a:rPr lang="en-US" dirty="0" err="1" smtClean="0">
+                <a:latin typeface="Century Gothic (Body)"/>
+                <a:ea typeface="Hack" panose="020B0609030202020204" pitchFamily="49" charset="0"/>
+                <a:cs typeface="Courier New" panose="02070309020205020404" pitchFamily="49" charset="0"/>
+              </a:rPr>
+              <a:t>git</a:t>
+            </a:r>
+            <a:r>
+              <a:rPr lang="en-US" dirty="0" smtClean="0">
+                <a:latin typeface="Century Gothic (Body)"/>
+                <a:ea typeface="Hack" panose="020B0609030202020204" pitchFamily="49" charset="0"/>
+                <a:cs typeface="Courier New" panose="02070309020205020404" pitchFamily="49" charset="0"/>
+              </a:rPr>
+              <a:t>-repo-name’</a:t>
+            </a:r>
+          </a:p>
+        </p:txBody>
+      </p:sp>
+      <p:sp>
+        <p:nvSpPr>
+          <p:cNvPr id="5" name="TextBox 4"/>
+          <p:cNvSpPr txBox="1"/>
+          <p:nvPr/>
+        </p:nvSpPr>
+        <p:spPr>
+          <a:xfrm>
+            <a:off x="6140133" y="4114800"/>
+            <a:ext cx="3840480" cy="2031325"/>
+          </a:xfrm>
+          <a:prstGeom prst="rect">
+            <a:avLst/>
+          </a:prstGeom>
+          <a:noFill/>
+        </p:spPr>
+        <p:txBody>
+          <a:bodyPr wrap="square" rtlCol="0">
+            <a:spAutoFit/>
+          </a:bodyPr>
+          <a:lstStyle/>
+          <a:p>
+            <a:r>
+              <a:rPr lang="en-US" dirty="0" err="1" smtClean="0">
+                <a:latin typeface="Hack" panose="020B0609030202020204" pitchFamily="49" charset="0"/>
+                <a:ea typeface="Hack" panose="020B0609030202020204" pitchFamily="49" charset="0"/>
+                <a:cs typeface="Hack" panose="020B0609030202020204" pitchFamily="49" charset="0"/>
+              </a:rPr>
+              <a:t>git</a:t>
+            </a:r>
+            <a:r>
+              <a:rPr lang="en-US" dirty="0" smtClean="0">
+                <a:latin typeface="Hack" panose="020B0609030202020204" pitchFamily="49" charset="0"/>
+                <a:ea typeface="Hack" panose="020B0609030202020204" pitchFamily="49" charset="0"/>
+                <a:cs typeface="Hack" panose="020B0609030202020204" pitchFamily="49" charset="0"/>
+              </a:rPr>
+              <a:t> remote add origin http://bitbucket.org/Username/git-repo-name.git</a:t>
+            </a:r>
+          </a:p>
+          <a:p>
+            <a:endParaRPr lang="en-US" dirty="0">
+              <a:latin typeface="Hack" panose="020B0609030202020204" pitchFamily="49" charset="0"/>
+              <a:ea typeface="Hack" panose="020B0609030202020204" pitchFamily="49" charset="0"/>
+              <a:cs typeface="Hack" panose="020B0609030202020204" pitchFamily="49" charset="0"/>
+            </a:endParaRPr>
+          </a:p>
+          <a:p>
+            <a:r>
+              <a:rPr lang="en-US" dirty="0" smtClean="0">
+                <a:latin typeface="Century Gothic (Body)"/>
+                <a:ea typeface="Hack" panose="020B0609030202020204" pitchFamily="49" charset="0"/>
+                <a:cs typeface="Courier New" panose="02070309020205020404" pitchFamily="49" charset="0"/>
+              </a:rPr>
+              <a:t>This will link the directory you are in to the </a:t>
+            </a:r>
+            <a:r>
+              <a:rPr lang="en-US" dirty="0" err="1" smtClean="0">
+                <a:latin typeface="Century Gothic (Body)"/>
+                <a:ea typeface="Hack" panose="020B0609030202020204" pitchFamily="49" charset="0"/>
+                <a:cs typeface="Courier New" panose="02070309020205020404" pitchFamily="49" charset="0"/>
+              </a:rPr>
+              <a:t>git</a:t>
+            </a:r>
+            <a:r>
+              <a:rPr lang="en-US" dirty="0" smtClean="0">
+                <a:latin typeface="Century Gothic (Body)"/>
+                <a:ea typeface="Hack" panose="020B0609030202020204" pitchFamily="49" charset="0"/>
+                <a:cs typeface="Courier New" panose="02070309020205020404" pitchFamily="49" charset="0"/>
+              </a:rPr>
+              <a:t> repository specified in the URL.</a:t>
             </a:r>
           </a:p>
         </p:txBody>
@@ -15218,7 +15180,7 @@
     </p:spTree>
     <p:extLst>
       <p:ext uri="{BB962C8B-B14F-4D97-AF65-F5344CB8AC3E}">
-        <p14:creationId xmlns:p14="http://schemas.microsoft.com/office/powerpoint/2010/main" val="1466749224"/>
+        <p14:creationId xmlns:p14="http://schemas.microsoft.com/office/powerpoint/2010/main" val="2832514910"/>
       </p:ext>
     </p:extLst>
   </p:cSld>
@@ -15261,12 +15223,8 @@
           <a:lstStyle/>
           <a:p>
             <a:r>
-              <a:rPr lang="en-US" dirty="0" err="1" smtClean="0"/>
-              <a:t>Gitting</a:t>
-            </a:r>
-            <a:r>
               <a:rPr lang="en-US" dirty="0" smtClean="0"/>
-              <a:t> Started: Accessing a Repo</a:t>
+              <a:t>Creating A Local Repository</a:t>
             </a:r>
             <a:endParaRPr lang="en-US" dirty="0"/>
           </a:p>
@@ -15289,57 +15247,38 @@
           <a:p>
             <a:r>
               <a:rPr lang="en-US" dirty="0" smtClean="0"/>
-              <a:t>Two ways of accessing a repository</a:t>
-            </a:r>
-          </a:p>
-          <a:p>
-            <a:pPr lvl="1"/>
+              <a:t>You can create a </a:t>
+            </a:r>
+            <a:r>
+              <a:rPr lang="en-US" dirty="0" err="1" smtClean="0"/>
+              <a:t>git</a:t>
+            </a:r>
             <a:r>
               <a:rPr lang="en-US" dirty="0" smtClean="0"/>
-              <a:t>Cloning it</a:t>
-            </a:r>
-          </a:p>
-          <a:p>
-            <a:pPr lvl="1"/>
+              <a:t> repository that has no remotes by running the </a:t>
+            </a:r>
+            <a:r>
+              <a:rPr lang="en-US" dirty="0" err="1" smtClean="0"/>
+              <a:t>init</a:t>
+            </a:r>
             <a:r>
               <a:rPr lang="en-US" dirty="0" smtClean="0"/>
-              <a:t>Adding a remote to an existing local repo</a:t>
-            </a:r>
-          </a:p>
-          <a:p>
-            <a:pPr lvl="1"/>
-            <a:endParaRPr lang="en-US" dirty="0" smtClean="0"/>
-          </a:p>
-          <a:p>
-            <a:pPr marL="457200" lvl="1" indent="0">
-              <a:buNone/>
-            </a:pPr>
-            <a:endParaRPr lang="en-US" dirty="0"/>
-          </a:p>
-        </p:txBody>
-      </p:sp>
-      <p:sp>
-        <p:nvSpPr>
-          <p:cNvPr id="4" name="TextBox 3"/>
-          <p:cNvSpPr txBox="1"/>
-          <p:nvPr/>
-        </p:nvSpPr>
-        <p:spPr>
-          <a:xfrm>
-            <a:off x="1727303" y="4114800"/>
-            <a:ext cx="3840480" cy="2308324"/>
-          </a:xfrm>
-          <a:prstGeom prst="rect">
-            <a:avLst/>
-          </a:prstGeom>
-          <a:noFill/>
-        </p:spPr>
-        <p:txBody>
-          <a:bodyPr wrap="square" rtlCol="0">
-            <a:spAutoFit/>
-          </a:bodyPr>
-          <a:lstStyle/>
-          <a:p>
+              <a:t> command</a:t>
+            </a:r>
+            <a:br>
+              <a:rPr lang="en-US" dirty="0" smtClean="0"/>
+            </a:br>
+            <a:r>
+              <a:rPr lang="en-US" dirty="0" smtClean="0"/>
+              <a:t/>
+            </a:r>
+            <a:br>
+              <a:rPr lang="en-US" dirty="0" smtClean="0"/>
+            </a:br>
+            <a:r>
+              <a:rPr lang="en-US" dirty="0" smtClean="0"/>
+              <a:t>							</a:t>
+            </a:r>
             <a:r>
               <a:rPr lang="en-US" dirty="0" err="1" smtClean="0">
                 <a:latin typeface="Hack" panose="020B0609030202020204" pitchFamily="49" charset="0"/>
@@ -15354,127 +15293,37 @@
                 <a:ea typeface="Hack" panose="020B0609030202020204" pitchFamily="49" charset="0"/>
                 <a:cs typeface="Hack" panose="020B0609030202020204" pitchFamily="49" charset="0"/>
               </a:rPr>
-              <a:t> clone http://bitbucket.org/Username/git-repo-name.git</a:t>
-            </a:r>
-          </a:p>
-          <a:p>
-            <a:endParaRPr lang="en-US" dirty="0">
-              <a:latin typeface="Hack" panose="020B0609030202020204" pitchFamily="49" charset="0"/>
-              <a:ea typeface="Hack" panose="020B0609030202020204" pitchFamily="49" charset="0"/>
-              <a:cs typeface="Hack" panose="020B0609030202020204" pitchFamily="49" charset="0"/>
-            </a:endParaRPr>
-          </a:p>
-          <a:p>
-            <a:r>
-              <a:rPr lang="en-US" dirty="0" smtClean="0">
-                <a:latin typeface="Century Gothic (Body)"/>
-                <a:ea typeface="Hack" panose="020B0609030202020204" pitchFamily="49" charset="0"/>
-                <a:cs typeface="Courier New" panose="02070309020205020404" pitchFamily="49" charset="0"/>
-              </a:rPr>
-              <a:t>The repository will now be downloaded and saved in a folder named after your repo – in our case, ‘</a:t>
-            </a:r>
-            <a:r>
-              <a:rPr lang="en-US" dirty="0" err="1" smtClean="0">
-                <a:latin typeface="Century Gothic (Body)"/>
-                <a:ea typeface="Hack" panose="020B0609030202020204" pitchFamily="49" charset="0"/>
-                <a:cs typeface="Courier New" panose="02070309020205020404" pitchFamily="49" charset="0"/>
-              </a:rPr>
-              <a:t>git</a:t>
-            </a:r>
-            <a:r>
-              <a:rPr lang="en-US" dirty="0" smtClean="0">
-                <a:latin typeface="Century Gothic (Body)"/>
-                <a:ea typeface="Hack" panose="020B0609030202020204" pitchFamily="49" charset="0"/>
-                <a:cs typeface="Courier New" panose="02070309020205020404" pitchFamily="49" charset="0"/>
-              </a:rPr>
-              <a:t>-repo-name’</a:t>
-            </a:r>
-          </a:p>
-        </p:txBody>
-      </p:sp>
-      <p:sp>
-        <p:nvSpPr>
-          <p:cNvPr id="5" name="TextBox 4"/>
-          <p:cNvSpPr txBox="1"/>
-          <p:nvPr/>
-        </p:nvSpPr>
-        <p:spPr>
-          <a:xfrm>
-            <a:off x="6140133" y="4114800"/>
-            <a:ext cx="3840480" cy="2031325"/>
-          </a:xfrm>
-          <a:prstGeom prst="rect">
-            <a:avLst/>
-          </a:prstGeom>
-          <a:noFill/>
-        </p:spPr>
-        <p:txBody>
-          <a:bodyPr wrap="square" rtlCol="0">
-            <a:spAutoFit/>
-          </a:bodyPr>
-          <a:lstStyle/>
-          <a:p>
+              <a:t> </a:t>
+            </a:r>
             <a:r>
               <a:rPr lang="en-US" dirty="0" err="1" smtClean="0">
                 <a:latin typeface="Hack" panose="020B0609030202020204" pitchFamily="49" charset="0"/>
                 <a:ea typeface="Hack" panose="020B0609030202020204" pitchFamily="49" charset="0"/>
                 <a:cs typeface="Hack" panose="020B0609030202020204" pitchFamily="49" charset="0"/>
               </a:rPr>
-              <a:t>git</a:t>
-            </a:r>
-            <a:r>
-              <a:rPr lang="en-US" dirty="0" smtClean="0">
-                <a:latin typeface="Hack" panose="020B0609030202020204" pitchFamily="49" charset="0"/>
-                <a:ea typeface="Hack" panose="020B0609030202020204" pitchFamily="49" charset="0"/>
-                <a:cs typeface="Hack" panose="020B0609030202020204" pitchFamily="49" charset="0"/>
-              </a:rPr>
-              <a:t> remote add origin http://bitbucket.org/Username/git-repo-name.git</a:t>
-            </a:r>
-          </a:p>
-          <a:p>
-            <a:endParaRPr lang="en-US" dirty="0">
+              <a:t>init</a:t>
+            </a:r>
+            <a:endParaRPr lang="en-US" dirty="0" smtClean="0">
               <a:latin typeface="Hack" panose="020B0609030202020204" pitchFamily="49" charset="0"/>
               <a:ea typeface="Hack" panose="020B0609030202020204" pitchFamily="49" charset="0"/>
               <a:cs typeface="Hack" panose="020B0609030202020204" pitchFamily="49" charset="0"/>
             </a:endParaRPr>
           </a:p>
           <a:p>
-            <a:r>
-              <a:rPr lang="en-US" dirty="0" smtClean="0">
-                <a:latin typeface="Century Gothic (Body)"/>
-                <a:ea typeface="Hack" panose="020B0609030202020204" pitchFamily="49" charset="0"/>
-                <a:cs typeface="Courier New" panose="02070309020205020404" pitchFamily="49" charset="0"/>
-              </a:rPr>
-              <a:t>This will link the directory you are in to the </a:t>
-            </a:r>
-            <a:r>
-              <a:rPr lang="en-US" dirty="0" err="1" smtClean="0">
-                <a:latin typeface="Century Gothic (Body)"/>
-                <a:ea typeface="Hack" panose="020B0609030202020204" pitchFamily="49" charset="0"/>
-                <a:cs typeface="Courier New" panose="02070309020205020404" pitchFamily="49" charset="0"/>
-              </a:rPr>
-              <a:t>git</a:t>
-            </a:r>
-            <a:r>
-              <a:rPr lang="en-US" dirty="0" smtClean="0">
-                <a:latin typeface="Century Gothic (Body)"/>
-                <a:ea typeface="Hack" panose="020B0609030202020204" pitchFamily="49" charset="0"/>
-                <a:cs typeface="Courier New" panose="02070309020205020404" pitchFamily="49" charset="0"/>
-              </a:rPr>
-              <a:t> repository specified in the URL.</a:t>
-            </a:r>
-            <a:endParaRPr lang="en-US" dirty="0" smtClean="0">
-              <a:latin typeface="Century Gothic (Body)"/>
-              <a:ea typeface="Hack" panose="020B0609030202020204" pitchFamily="49" charset="0"/>
-              <a:cs typeface="Courier New" panose="02070309020205020404" pitchFamily="49" charset="0"/>
-            </a:endParaRPr>
+            <a:endParaRPr lang="en-US" dirty="0"/>
+          </a:p>
+          <a:p>
+            <a:r>
+              <a:rPr lang="en-US" dirty="0" smtClean="0"/>
+              <a:t>It will have no remotes, meaning you must add them in the aforementioned method</a:t>
+            </a:r>
           </a:p>
         </p:txBody>
       </p:sp>
     </p:spTree>
     <p:extLst>
       <p:ext uri="{BB962C8B-B14F-4D97-AF65-F5344CB8AC3E}">
-        <p14:creationId xmlns:p14="http://schemas.microsoft.com/office/powerpoint/2010/main" val="2832514910"/>
+        <p14:creationId xmlns:p14="http://schemas.microsoft.com/office/powerpoint/2010/main" val="248850567"/>
       </p:ext>
     </p:extLst>
   </p:cSld>
@@ -15518,7 +15367,7 @@
           <a:p>
             <a:r>
               <a:rPr lang="en-US" dirty="0" smtClean="0"/>
-              <a:t>Creating A Local Repository</a:t>
+              <a:t>Tracking Changes</a:t>
             </a:r>
             <a:endParaRPr lang="en-US" dirty="0"/>
           </a:p>
@@ -15541,67 +15390,94 @@
           <a:p>
             <a:r>
               <a:rPr lang="en-US" dirty="0" smtClean="0"/>
-              <a:t>You can create a </a:t>
-            </a:r>
-            <a:r>
-              <a:rPr lang="en-US" dirty="0" err="1" smtClean="0"/>
+              <a:t>Adding</a:t>
+            </a:r>
+          </a:p>
+          <a:p>
+            <a:pPr lvl="1"/>
+            <a:r>
+              <a:rPr lang="en-US" dirty="0" err="1" smtClean="0">
+                <a:latin typeface="Hack" panose="020B0609030202020204" pitchFamily="49" charset="0"/>
+                <a:ea typeface="Hack" panose="020B0609030202020204" pitchFamily="49" charset="0"/>
+                <a:cs typeface="Hack" panose="020B0609030202020204" pitchFamily="49" charset="0"/>
+              </a:rPr>
               <a:t>git</a:t>
             </a:r>
             <a:r>
+              <a:rPr lang="en-US" dirty="0" smtClean="0">
+                <a:latin typeface="Hack" panose="020B0609030202020204" pitchFamily="49" charset="0"/>
+                <a:ea typeface="Hack" panose="020B0609030202020204" pitchFamily="49" charset="0"/>
+                <a:cs typeface="Hack" panose="020B0609030202020204" pitchFamily="49" charset="0"/>
+              </a:rPr>
+              <a:t> add .</a:t>
+            </a:r>
+          </a:p>
+          <a:p>
+            <a:pPr lvl="2"/>
+            <a:r>
               <a:rPr lang="en-US" dirty="0" smtClean="0"/>
-              <a:t> repository that has no remotes by running the </a:t>
-            </a:r>
-            <a:r>
-              <a:rPr lang="en-US" dirty="0" err="1" smtClean="0"/>
-              <a:t>init</a:t>
-            </a:r>
+              <a:t>Stages new, not ignored files and changed files to the repository</a:t>
+            </a:r>
+          </a:p>
+          <a:p>
+            <a:pPr lvl="1"/>
+            <a:r>
+              <a:rPr lang="en-US" dirty="0" err="1" smtClean="0">
+                <a:latin typeface="Hack" panose="020B0609030202020204" pitchFamily="49" charset="0"/>
+                <a:ea typeface="Hack" panose="020B0609030202020204" pitchFamily="49" charset="0"/>
+                <a:cs typeface="Hack" panose="020B0609030202020204" pitchFamily="49" charset="0"/>
+              </a:rPr>
+              <a:t>git</a:t>
+            </a:r>
+            <a:r>
+              <a:rPr lang="en-US" dirty="0" smtClean="0">
+                <a:latin typeface="Hack" panose="020B0609030202020204" pitchFamily="49" charset="0"/>
+                <a:ea typeface="Hack" panose="020B0609030202020204" pitchFamily="49" charset="0"/>
+                <a:cs typeface="Hack" panose="020B0609030202020204" pitchFamily="49" charset="0"/>
+              </a:rPr>
+              <a:t> add –u</a:t>
+            </a:r>
+          </a:p>
+          <a:p>
+            <a:pPr lvl="2"/>
             <a:r>
               <a:rPr lang="en-US" dirty="0" smtClean="0"/>
-              <a:t> command</a:t>
-            </a:r>
-            <a:br>
+              <a:t>Stages modified and deleted files that are already being tracked</a:t>
+            </a:r>
+          </a:p>
+          <a:p>
+            <a:pPr lvl="1"/>
+            <a:r>
+              <a:rPr lang="en-US" dirty="0" err="1" smtClean="0">
+                <a:latin typeface="Hack" panose="020B0609030202020204" pitchFamily="49" charset="0"/>
+                <a:ea typeface="Hack" panose="020B0609030202020204" pitchFamily="49" charset="0"/>
+                <a:cs typeface="Hack" panose="020B0609030202020204" pitchFamily="49" charset="0"/>
+              </a:rPr>
+              <a:t>git</a:t>
+            </a:r>
+            <a:r>
+              <a:rPr lang="en-US" dirty="0" smtClean="0">
+                <a:latin typeface="Hack" panose="020B0609030202020204" pitchFamily="49" charset="0"/>
+                <a:ea typeface="Hack" panose="020B0609030202020204" pitchFamily="49" charset="0"/>
+                <a:cs typeface="Hack" panose="020B0609030202020204" pitchFamily="49" charset="0"/>
+              </a:rPr>
+              <a:t> add –A</a:t>
+            </a:r>
+          </a:p>
+          <a:p>
+            <a:pPr lvl="2"/>
+            <a:r>
               <a:rPr lang="en-US" dirty="0" smtClean="0"/>
-            </a:br>
-            <a:r>
-              <a:rPr lang="en-US" dirty="0" smtClean="0"/>
-              <a:t/>
-            </a:r>
-            <a:br>
-              <a:rPr lang="en-US" dirty="0" smtClean="0"/>
-            </a:br>
-            <a:r>
-              <a:rPr lang="en-US" dirty="0" smtClean="0"/>
-              <a:t>							</a:t>
-            </a:r>
-            <a:r>
-              <a:rPr lang="en-US" dirty="0" err="1" smtClean="0"/>
-              <a:t>git</a:t>
-            </a:r>
-            <a:r>
-              <a:rPr lang="en-US" dirty="0" smtClean="0"/>
-              <a:t> </a:t>
-            </a:r>
-            <a:r>
-              <a:rPr lang="en-US" dirty="0" err="1" smtClean="0"/>
-              <a:t>init</a:t>
-            </a:r>
-            <a:endParaRPr lang="en-US" dirty="0" smtClean="0"/>
-          </a:p>
-          <a:p>
+              <a:t>Equivalent to using both of the above commands in succession</a:t>
+            </a:r>
             <a:endParaRPr lang="en-US" dirty="0"/>
-          </a:p>
-          <a:p>
-            <a:r>
-              <a:rPr lang="en-US" dirty="0" smtClean="0"/>
-              <a:t>It will have no remotes, meaning you must add them in the aforementioned method</a:t>
-            </a:r>
           </a:p>
         </p:txBody>
       </p:sp>
     </p:spTree>
     <p:extLst>
       <p:ext uri="{BB962C8B-B14F-4D97-AF65-F5344CB8AC3E}">
-        <p14:creationId xmlns:p14="http://schemas.microsoft.com/office/powerpoint/2010/main" val="248850567"/>
+        <p14:creationId xmlns:p14="http://schemas.microsoft.com/office/powerpoint/2010/main" val="2535128550"/>
       </p:ext>
     </p:extLst>
   </p:cSld>
@@ -15645,7 +15521,7 @@
           <a:p>
             <a:r>
               <a:rPr lang="en-US" dirty="0" smtClean="0"/>
-              <a:t>Tracking Changes</a:t>
+              <a:t>Committing Changes</a:t>
             </a:r>
             <a:endParaRPr lang="en-US" dirty="0"/>
           </a:p>
@@ -15668,70 +15544,83 @@
           <a:p>
             <a:r>
               <a:rPr lang="en-US" dirty="0" smtClean="0"/>
-              <a:t>Adding</a:t>
-            </a:r>
-          </a:p>
-          <a:p>
-            <a:pPr lvl="1"/>
-            <a:r>
-              <a:rPr lang="en-US" dirty="0" err="1" smtClean="0"/>
+              <a:t>You must commit your changes to keep them and update your repository</a:t>
+            </a:r>
+          </a:p>
+          <a:p>
+            <a:r>
+              <a:rPr lang="en-US" dirty="0" smtClean="0"/>
+              <a:t>Your name and email address are associated with every commit you create</a:t>
+            </a:r>
+            <a:endParaRPr lang="en-US" dirty="0"/>
+          </a:p>
+          <a:p>
+            <a:r>
+              <a:rPr lang="en-US" dirty="0" smtClean="0"/>
+              <a:t>Commits are also accompanied by an explanatory message</a:t>
+            </a:r>
+          </a:p>
+          <a:p>
+            <a:endParaRPr lang="en-US" dirty="0"/>
+          </a:p>
+          <a:p>
+            <a:pPr marL="0" indent="0">
+              <a:buNone/>
+            </a:pPr>
+            <a:endParaRPr lang="en-US" dirty="0" smtClean="0"/>
+          </a:p>
+        </p:txBody>
+      </p:sp>
+      <p:sp>
+        <p:nvSpPr>
+          <p:cNvPr id="4" name="TextBox 3"/>
+          <p:cNvSpPr txBox="1"/>
+          <p:nvPr/>
+        </p:nvSpPr>
+        <p:spPr>
+          <a:xfrm>
+            <a:off x="3225957" y="4687909"/>
+            <a:ext cx="4619406" cy="646331"/>
+          </a:xfrm>
+          <a:prstGeom prst="rect">
+            <a:avLst/>
+          </a:prstGeom>
+          <a:noFill/>
+        </p:spPr>
+        <p:txBody>
+          <a:bodyPr wrap="square" rtlCol="0">
+            <a:spAutoFit/>
+          </a:bodyPr>
+          <a:lstStyle/>
+          <a:p>
+            <a:r>
+              <a:rPr lang="en-US" dirty="0" err="1" smtClean="0">
+                <a:latin typeface="Hack" panose="020B0609030202020204" pitchFamily="49" charset="0"/>
+                <a:ea typeface="Hack" panose="020B0609030202020204" pitchFamily="49" charset="0"/>
+                <a:cs typeface="Hack" panose="020B0609030202020204" pitchFamily="49" charset="0"/>
+              </a:rPr>
               <a:t>git</a:t>
             </a:r>
             <a:r>
-              <a:rPr lang="en-US" dirty="0" smtClean="0"/>
-              <a:t> add .</a:t>
-            </a:r>
-          </a:p>
-          <a:p>
-            <a:pPr lvl="2"/>
-            <a:r>
-              <a:rPr lang="en-US" dirty="0" smtClean="0"/>
-              <a:t>Stages new, not ignored files and changed files to the repository</a:t>
-            </a:r>
-          </a:p>
-          <a:p>
-            <a:pPr lvl="1"/>
-            <a:r>
-              <a:rPr lang="en-US" dirty="0" err="1" smtClean="0"/>
-              <a:t>git</a:t>
-            </a:r>
-            <a:r>
-              <a:rPr lang="en-US" dirty="0" smtClean="0"/>
-              <a:t> add –u</a:t>
-            </a:r>
-          </a:p>
-          <a:p>
-            <a:pPr lvl="2"/>
-            <a:r>
-              <a:rPr lang="en-US" dirty="0" smtClean="0"/>
-              <a:t>Stages modified and deleted files that are already being tracked</a:t>
-            </a:r>
-          </a:p>
-          <a:p>
-            <a:pPr lvl="1"/>
-            <a:r>
-              <a:rPr lang="en-US" dirty="0" err="1" smtClean="0"/>
-              <a:t>git</a:t>
-            </a:r>
-            <a:r>
-              <a:rPr lang="en-US" dirty="0" smtClean="0"/>
-              <a:t> add –A</a:t>
-            </a:r>
-          </a:p>
-          <a:p>
-            <a:pPr lvl="2"/>
-            <a:r>
-              <a:rPr lang="en-US" dirty="0" smtClean="0"/>
-              <a:t>Equivalent to using both of the above commands in succession</a:t>
-            </a:r>
-            <a:endParaRPr lang="en-US" dirty="0"/>
+              <a:rPr lang="en-US" dirty="0" smtClean="0">
+                <a:latin typeface="Hack" panose="020B0609030202020204" pitchFamily="49" charset="0"/>
+                <a:ea typeface="Hack" panose="020B0609030202020204" pitchFamily="49" charset="0"/>
+                <a:cs typeface="Hack" panose="020B0609030202020204" pitchFamily="49" charset="0"/>
+              </a:rPr>
+              <a:t> commit –m “This is my commit message”</a:t>
+            </a:r>
+            <a:endParaRPr lang="en-US" dirty="0">
+              <a:latin typeface="Hack" panose="020B0609030202020204" pitchFamily="49" charset="0"/>
+              <a:ea typeface="Hack" panose="020B0609030202020204" pitchFamily="49" charset="0"/>
+              <a:cs typeface="Hack" panose="020B0609030202020204" pitchFamily="49" charset="0"/>
+            </a:endParaRPr>
           </a:p>
         </p:txBody>
       </p:sp>
     </p:spTree>
     <p:extLst>
       <p:ext uri="{BB962C8B-B14F-4D97-AF65-F5344CB8AC3E}">
-        <p14:creationId xmlns:p14="http://schemas.microsoft.com/office/powerpoint/2010/main" val="2535128550"/>
+        <p14:creationId xmlns:p14="http://schemas.microsoft.com/office/powerpoint/2010/main" val="1904998074"/>
       </p:ext>
     </p:extLst>
   </p:cSld>
@@ -15775,7 +15664,7 @@
           <a:p>
             <a:r>
               <a:rPr lang="en-US" dirty="0" smtClean="0"/>
-              <a:t>Committing Changes</a:t>
+              <a:t>Updating your Repository</a:t>
             </a:r>
             <a:endParaRPr lang="en-US" dirty="0"/>
           </a:p>
@@ -15798,30 +15687,53 @@
           <a:p>
             <a:r>
               <a:rPr lang="en-US" dirty="0" smtClean="0"/>
-              <a:t>You must commit your changes to keep them and update your repository</a:t>
-            </a:r>
-          </a:p>
-          <a:p>
+              <a:t>Push</a:t>
+            </a:r>
+          </a:p>
+          <a:p>
+            <a:pPr lvl="1"/>
             <a:r>
               <a:rPr lang="en-US" dirty="0" smtClean="0"/>
-              <a:t>Your name and email address are associated with every commit you create</a:t>
-            </a:r>
+              <a:t>Updates your repository, wherever it is hosted (GitHub, </a:t>
+            </a:r>
+            <a:r>
+              <a:rPr lang="en-US" dirty="0" err="1" smtClean="0"/>
+              <a:t>BitBucket</a:t>
+            </a:r>
+            <a:r>
+              <a:rPr lang="en-US" dirty="0" smtClean="0"/>
+              <a:t>, </a:t>
+            </a:r>
+            <a:r>
+              <a:rPr lang="en-US" dirty="0" err="1" smtClean="0"/>
+              <a:t>GitLab</a:t>
+            </a:r>
+            <a:r>
+              <a:rPr lang="en-US" dirty="0" smtClean="0"/>
+              <a:t>, </a:t>
+            </a:r>
+            <a:r>
+              <a:rPr lang="en-US" dirty="0" err="1" smtClean="0"/>
+              <a:t>etc</a:t>
+            </a:r>
+            <a:r>
+              <a:rPr lang="en-US" dirty="0" smtClean="0"/>
+              <a:t>)</a:t>
+            </a:r>
+          </a:p>
+          <a:p>
+            <a:pPr lvl="1"/>
             <a:endParaRPr lang="en-US" dirty="0"/>
           </a:p>
           <a:p>
-            <a:r>
-              <a:rPr lang="en-US" dirty="0" smtClean="0"/>
-              <a:t>Commits are also accompanied by an explanatory message</a:t>
-            </a:r>
-          </a:p>
-          <a:p>
-            <a:endParaRPr lang="en-US" dirty="0"/>
-          </a:p>
-          <a:p>
-            <a:pPr marL="0" indent="0">
+            <a:pPr marL="457200" lvl="1" indent="0">
               <a:buNone/>
             </a:pPr>
             <a:endParaRPr lang="en-US" dirty="0" smtClean="0"/>
+          </a:p>
+          <a:p>
+            <a:pPr lvl="1"/>
+            <a:endParaRPr lang="en-US" dirty="0"/>
           </a:p>
         </p:txBody>
       </p:sp>
@@ -15833,8 +15745,8 @@
         </p:nvSpPr>
         <p:spPr>
           <a:xfrm>
-            <a:off x="3225957" y="4687909"/>
-            <a:ext cx="4619406" cy="646331"/>
+            <a:off x="2744573" y="3665319"/>
+            <a:ext cx="5646419" cy="646331"/>
           </a:xfrm>
           <a:prstGeom prst="rect">
             <a:avLst/>
@@ -15861,7 +15773,57 @@
                 <a:ea typeface="Hack" panose="020B0609030202020204" pitchFamily="49" charset="0"/>
                 <a:cs typeface="Hack" panose="020B0609030202020204" pitchFamily="49" charset="0"/>
               </a:rPr>
-              <a:t> commit –m “This is my commit message”</a:t>
+              <a:t> push</a:t>
+            </a:r>
+          </a:p>
+          <a:p>
+            <a:r>
+              <a:rPr lang="en-US" dirty="0" err="1" smtClean="0">
+                <a:latin typeface="Hack" panose="020B0609030202020204" pitchFamily="49" charset="0"/>
+                <a:ea typeface="Hack" panose="020B0609030202020204" pitchFamily="49" charset="0"/>
+                <a:cs typeface="Hack" panose="020B0609030202020204" pitchFamily="49" charset="0"/>
+              </a:rPr>
+              <a:t>git</a:t>
+            </a:r>
+            <a:r>
+              <a:rPr lang="en-US" dirty="0" smtClean="0">
+                <a:latin typeface="Hack" panose="020B0609030202020204" pitchFamily="49" charset="0"/>
+                <a:ea typeface="Hack" panose="020B0609030202020204" pitchFamily="49" charset="0"/>
+                <a:cs typeface="Hack" panose="020B0609030202020204" pitchFamily="49" charset="0"/>
+              </a:rPr>
+              <a:t> push –u &lt;</a:t>
+            </a:r>
+            <a:r>
+              <a:rPr lang="en-US" dirty="0" err="1" smtClean="0">
+                <a:latin typeface="Hack" panose="020B0609030202020204" pitchFamily="49" charset="0"/>
+                <a:ea typeface="Hack" panose="020B0609030202020204" pitchFamily="49" charset="0"/>
+                <a:cs typeface="Hack" panose="020B0609030202020204" pitchFamily="49" charset="0"/>
+              </a:rPr>
+              <a:t>remote_name</a:t>
+            </a:r>
+            <a:r>
+              <a:rPr lang="en-US" dirty="0" smtClean="0">
+                <a:latin typeface="Hack" panose="020B0609030202020204" pitchFamily="49" charset="0"/>
+                <a:ea typeface="Hack" panose="020B0609030202020204" pitchFamily="49" charset="0"/>
+                <a:cs typeface="Hack" panose="020B0609030202020204" pitchFamily="49" charset="0"/>
+              </a:rPr>
+              <a:t>&gt; &lt;</a:t>
+            </a:r>
+            <a:r>
+              <a:rPr lang="en-US" dirty="0" err="1" smtClean="0">
+                <a:latin typeface="Hack" panose="020B0609030202020204" pitchFamily="49" charset="0"/>
+                <a:ea typeface="Hack" panose="020B0609030202020204" pitchFamily="49" charset="0"/>
+                <a:cs typeface="Hack" panose="020B0609030202020204" pitchFamily="49" charset="0"/>
+              </a:rPr>
+              <a:t>branch_name</a:t>
+            </a:r>
+            <a:r>
+              <a:rPr lang="en-US" dirty="0" smtClean="0">
+                <a:latin typeface="Hack" panose="020B0609030202020204" pitchFamily="49" charset="0"/>
+                <a:ea typeface="Hack" panose="020B0609030202020204" pitchFamily="49" charset="0"/>
+                <a:cs typeface="Hack" panose="020B0609030202020204" pitchFamily="49" charset="0"/>
+              </a:rPr>
+              <a:t>&gt;</a:t>
             </a:r>
             <a:endParaRPr lang="en-US" dirty="0">
               <a:latin typeface="Hack" panose="020B0609030202020204" pitchFamily="49" charset="0"/>
@@ -15874,7 +15836,7 @@
     </p:spTree>
     <p:extLst>
       <p:ext uri="{BB962C8B-B14F-4D97-AF65-F5344CB8AC3E}">
-        <p14:creationId xmlns:p14="http://schemas.microsoft.com/office/powerpoint/2010/main" val="1904998074"/>
+        <p14:creationId xmlns:p14="http://schemas.microsoft.com/office/powerpoint/2010/main" val="3963635511"/>
       </p:ext>
     </p:extLst>
   </p:cSld>
@@ -15918,7 +15880,7 @@
           <a:p>
             <a:r>
               <a:rPr lang="en-US" dirty="0" smtClean="0"/>
-              <a:t>Updating your Repository</a:t>
+              <a:t>Branches</a:t>
             </a:r>
             <a:endParaRPr lang="en-US" dirty="0"/>
           </a:p>
@@ -15941,78 +15903,23 @@
           <a:p>
             <a:r>
               <a:rPr lang="en-US" dirty="0" smtClean="0"/>
-              <a:t>Push</a:t>
-            </a:r>
-          </a:p>
-          <a:p>
-            <a:pPr lvl="1"/>
+              <a:t>A way to divulge from your project to work on new features without changing what already works</a:t>
+            </a:r>
+          </a:p>
+          <a:p>
             <a:r>
               <a:rPr lang="en-US" dirty="0" smtClean="0"/>
-              <a:t>Updates your repository, wherever it is hosted (GitHub, </a:t>
-            </a:r>
-            <a:r>
-              <a:rPr lang="en-US" dirty="0" err="1" smtClean="0"/>
-              <a:t>BitBucket</a:t>
-            </a:r>
+              <a:t>Independent of the main (master) branch after creation</a:t>
+            </a:r>
+          </a:p>
+          <a:p>
             <a:r>
               <a:rPr lang="en-US" dirty="0" smtClean="0"/>
-              <a:t>, </a:t>
-            </a:r>
-            <a:r>
-              <a:rPr lang="en-US" dirty="0" err="1" smtClean="0"/>
-              <a:t>GitLab</a:t>
-            </a:r>
-            <a:r>
+              <a:t>You can create a new branch by doing:</a:t>
+            </a:r>
+            <a:br>
               <a:rPr lang="en-US" dirty="0" smtClean="0"/>
-              <a:t>, </a:t>
-            </a:r>
-            <a:r>
-              <a:rPr lang="en-US" dirty="0" err="1" smtClean="0"/>
-              <a:t>etc</a:t>
-            </a:r>
-            <a:r>
-              <a:rPr lang="en-US" dirty="0" smtClean="0"/>
-              <a:t>)</a:t>
-            </a:r>
-          </a:p>
-          <a:p>
-            <a:pPr lvl="1"/>
-            <a:endParaRPr lang="en-US" dirty="0"/>
-          </a:p>
-          <a:p>
-            <a:pPr marL="457200" lvl="1" indent="0">
-              <a:buNone/>
-            </a:pPr>
-            <a:endParaRPr lang="en-US" dirty="0" smtClean="0"/>
-          </a:p>
-          <a:p>
-            <a:pPr lvl="1"/>
-            <a:endParaRPr lang="en-US" dirty="0"/>
-          </a:p>
-        </p:txBody>
-      </p:sp>
-      <p:sp>
-        <p:nvSpPr>
-          <p:cNvPr id="4" name="TextBox 3"/>
-          <p:cNvSpPr txBox="1"/>
-          <p:nvPr/>
-        </p:nvSpPr>
-        <p:spPr>
-          <a:xfrm>
-            <a:off x="2744573" y="3665319"/>
-            <a:ext cx="5646419" cy="646331"/>
-          </a:xfrm>
-          <a:prstGeom prst="rect">
-            <a:avLst/>
-          </a:prstGeom>
-          <a:noFill/>
-        </p:spPr>
-        <p:txBody>
-          <a:bodyPr wrap="square" rtlCol="0">
-            <a:spAutoFit/>
-          </a:bodyPr>
-          <a:lstStyle/>
-          <a:p>
+            </a:br>
             <a:r>
               <a:rPr lang="en-US" dirty="0" err="1" smtClean="0">
                 <a:latin typeface="Hack" panose="020B0609030202020204" pitchFamily="49" charset="0"/>
@@ -16027,10 +15934,39 @@
                 <a:ea typeface="Hack" panose="020B0609030202020204" pitchFamily="49" charset="0"/>
                 <a:cs typeface="Hack" panose="020B0609030202020204" pitchFamily="49" charset="0"/>
               </a:rPr>
-              <a:t> push</a:t>
-            </a:r>
-          </a:p>
-          <a:p>
+              <a:t> branch </a:t>
+            </a:r>
+            <a:r>
+              <a:rPr lang="en-US" dirty="0" err="1" smtClean="0">
+                <a:latin typeface="Hack" panose="020B0609030202020204" pitchFamily="49" charset="0"/>
+                <a:ea typeface="Hack" panose="020B0609030202020204" pitchFamily="49" charset="0"/>
+                <a:cs typeface="Hack" panose="020B0609030202020204" pitchFamily="49" charset="0"/>
+              </a:rPr>
+              <a:t>my_new_branch</a:t>
+            </a:r>
+            <a:r>
+              <a:rPr lang="en-US" dirty="0" smtClean="0">
+                <a:latin typeface="Hack" panose="020B0609030202020204" pitchFamily="49" charset="0"/>
+                <a:ea typeface="Hack" panose="020B0609030202020204" pitchFamily="49" charset="0"/>
+                <a:cs typeface="Hack" panose="020B0609030202020204" pitchFamily="49" charset="0"/>
+              </a:rPr>
+              <a:t> -b</a:t>
+            </a:r>
+          </a:p>
+          <a:p>
+            <a:r>
+              <a:rPr lang="en-US" dirty="0" smtClean="0"/>
+              <a:t>To switch to an existing branch, remove ‘-b’ from the above command</a:t>
+            </a:r>
+          </a:p>
+          <a:p>
+            <a:r>
+              <a:rPr lang="en-US" dirty="0" smtClean="0"/>
+              <a:t>Can be rejoined with the main branch by merging:</a:t>
+            </a:r>
+            <a:br>
+              <a:rPr lang="en-US" dirty="0" smtClean="0"/>
+            </a:br>
             <a:r>
               <a:rPr lang="en-US" dirty="0" err="1" smtClean="0">
                 <a:latin typeface="Hack" panose="020B0609030202020204" pitchFamily="49" charset="0"/>
@@ -16045,7 +15981,7 @@
                 <a:ea typeface="Hack" panose="020B0609030202020204" pitchFamily="49" charset="0"/>
                 <a:cs typeface="Hack" panose="020B0609030202020204" pitchFamily="49" charset="0"/>
               </a:rPr>
-              <a:t> push –u &lt;</a:t>
+              <a:t> merge &lt;</a:t>
             </a:r>
             <a:r>
               <a:rPr lang="en-US" dirty="0" err="1" smtClean="0">
@@ -16053,23 +15989,7 @@
                 <a:ea typeface="Hack" panose="020B0609030202020204" pitchFamily="49" charset="0"/>
                 <a:cs typeface="Hack" panose="020B0609030202020204" pitchFamily="49" charset="0"/>
               </a:rPr>
-              <a:t>remote_name</a:t>
-            </a:r>
-            <a:r>
-              <a:rPr lang="en-US" dirty="0" smtClean="0">
-                <a:latin typeface="Hack" panose="020B0609030202020204" pitchFamily="49" charset="0"/>
-                <a:ea typeface="Hack" panose="020B0609030202020204" pitchFamily="49" charset="0"/>
-                <a:cs typeface="Hack" panose="020B0609030202020204" pitchFamily="49" charset="0"/>
-              </a:rPr>
-              <a:t>&gt; &lt;</a:t>
-            </a:r>
-            <a:r>
-              <a:rPr lang="en-US" dirty="0" err="1" smtClean="0">
-                <a:latin typeface="Hack" panose="020B0609030202020204" pitchFamily="49" charset="0"/>
-                <a:ea typeface="Hack" panose="020B0609030202020204" pitchFamily="49" charset="0"/>
-                <a:cs typeface="Hack" panose="020B0609030202020204" pitchFamily="49" charset="0"/>
-              </a:rPr>
-              <a:t>branch_name</a:t>
+              <a:t>branch_to_merge</a:t>
             </a:r>
             <a:r>
               <a:rPr lang="en-US" dirty="0" smtClean="0">
@@ -16079,18 +15999,33 @@
               </a:rPr>
               <a:t>&gt;</a:t>
             </a:r>
-            <a:endParaRPr lang="en-US" dirty="0">
-              <a:latin typeface="Hack" panose="020B0609030202020204" pitchFamily="49" charset="0"/>
-              <a:ea typeface="Hack" panose="020B0609030202020204" pitchFamily="49" charset="0"/>
-              <a:cs typeface="Hack" panose="020B0609030202020204" pitchFamily="49" charset="0"/>
-            </a:endParaRPr>
+          </a:p>
+          <a:p>
+            <a:pPr lvl="1"/>
+            <a:r>
+              <a:rPr lang="en-US" dirty="0" smtClean="0"/>
+              <a:t>Merges &lt;</a:t>
+            </a:r>
+            <a:r>
+              <a:rPr lang="en-US" dirty="0" err="1" smtClean="0"/>
+              <a:t>branch_to_merge</a:t>
+            </a:r>
+            <a:r>
+              <a:rPr lang="en-US" dirty="0" smtClean="0"/>
+              <a:t>&gt; with the currently active branch</a:t>
+            </a:r>
+            <a:endParaRPr lang="en-US" dirty="0"/>
+          </a:p>
+          <a:p>
+            <a:pPr lvl="1"/>
+            <a:endParaRPr lang="en-US" dirty="0" smtClean="0"/>
           </a:p>
         </p:txBody>
       </p:sp>
     </p:spTree>
     <p:extLst>
       <p:ext uri="{BB962C8B-B14F-4D97-AF65-F5344CB8AC3E}">
-        <p14:creationId xmlns:p14="http://schemas.microsoft.com/office/powerpoint/2010/main" val="3963635511"/>
+        <p14:creationId xmlns:p14="http://schemas.microsoft.com/office/powerpoint/2010/main" val="1760384876"/>
       </p:ext>
     </p:extLst>
   </p:cSld>
